--- a/Section05/5.1.2-Python_JupyterNotebook.pptx
+++ b/Section05/5.1.2-Python_JupyterNotebook.pptx
@@ -1,12 +1,12 @@
 
 <file path=ppt/presentation.xml><?xml version="1.0" encoding="utf-8"?>
-<p:presentation xmlns:a="http://schemas.openxmlformats.org/drawingml/2006/main" xmlns:r="http://schemas.openxmlformats.org/officeDocument/2006/relationships" xmlns:p="http://schemas.openxmlformats.org/presentationml/2006/main" strictFirstAndLastChars="0" embedTrueTypeFonts="1" saveSubsetFonts="1" autoCompressPictures="0">
+<p:presentation xmlns:a="http://schemas.openxmlformats.org/drawingml/2006/main" xmlns:r="http://schemas.openxmlformats.org/officeDocument/2006/relationships" xmlns:p="http://schemas.openxmlformats.org/presentationml/2006/main" showSpecialPlsOnTitleSld="0" strictFirstAndLastChars="0" embedTrueTypeFonts="1" saveSubsetFonts="1" autoCompressPictures="0">
   <p:sldMasterIdLst>
     <p:sldMasterId id="2147483648" r:id="rId1"/>
     <p:sldMasterId id="2147483664" r:id="rId2"/>
   </p:sldMasterIdLst>
   <p:notesMasterIdLst>
-    <p:notesMasterId r:id="rId13"/>
+    <p:notesMasterId r:id="rId14"/>
   </p:notesMasterIdLst>
   <p:sldIdLst>
     <p:sldId id="274" r:id="rId3"/>
@@ -15,20 +15,21 @@
     <p:sldId id="285" r:id="rId6"/>
     <p:sldId id="293" r:id="rId7"/>
     <p:sldId id="287" r:id="rId8"/>
-    <p:sldId id="288" r:id="rId9"/>
-    <p:sldId id="291" r:id="rId10"/>
-    <p:sldId id="295" r:id="rId11"/>
-    <p:sldId id="294" r:id="rId12"/>
+    <p:sldId id="296" r:id="rId9"/>
+    <p:sldId id="288" r:id="rId10"/>
+    <p:sldId id="291" r:id="rId11"/>
+    <p:sldId id="295" r:id="rId12"/>
+    <p:sldId id="294" r:id="rId13"/>
   </p:sldIdLst>
   <p:sldSz cx="12192000" cy="6858000"/>
   <p:notesSz cx="6858000" cy="9144000"/>
   <p:embeddedFontLst>
     <p:embeddedFont>
       <p:font typeface="Calibri" panose="020F0502020204030204" pitchFamily="34" charset="0"/>
-      <p:regular r:id="rId14"/>
-      <p:bold r:id="rId15"/>
-      <p:italic r:id="rId16"/>
-      <p:boldItalic r:id="rId17"/>
+      <p:regular r:id="rId15"/>
+      <p:bold r:id="rId16"/>
+      <p:italic r:id="rId17"/>
+      <p:boldItalic r:id="rId18"/>
     </p:embeddedFont>
   </p:embeddedFontLst>
   <p:defaultTextStyle>
@@ -265,7 +266,7 @@
       <p15:sldGuideLst xmlns:p15="http://schemas.microsoft.com/office/powerpoint/2012/main"/>
     </p:ext>
     <p:ext uri="http://customooxmlschemas.google.com/">
-      <go:slidesCustomData xmlns="" xmlns:mc="http://schemas.openxmlformats.org/markup-compatibility/2006" xmlns:mv="urn:schemas-microsoft-com:mac:vml" xmlns:c="http://schemas.openxmlformats.org/drawingml/2006/chart" xmlns:dgm="http://schemas.openxmlformats.org/drawingml/2006/diagram" xmlns:o="urn:schemas-microsoft-com:office:office" xmlns:v="urn:schemas-microsoft-com:vml" xmlns:pvml="urn:schemas-microsoft-com:office:powerpoint" xmlns:com="http://schemas.openxmlformats.org/drawingml/2006/compatibility" xmlns:p14="http://schemas.microsoft.com/office/powerpoint/2010/main" xmlns:p15="http://schemas.microsoft.com/office/powerpoint/2012/main" xmlns:ahyp="http://schemas.microsoft.com/office/drawing/2018/hyperlinkcolor" xmlns:go="http://customooxmlschemas.google.com/" r:id="rId78" roundtripDataSignature="AMtx7mg1jRVB5ptXq1eZYLCKV2hfsmrwvg=="/>
+      <go:slidesCustomData xmlns:go="http://customooxmlschemas.google.com/" xmlns:ahyp="http://schemas.microsoft.com/office/drawing/2018/hyperlinkcolor" xmlns:p15="http://schemas.microsoft.com/office/powerpoint/2012/main" xmlns:p14="http://schemas.microsoft.com/office/powerpoint/2010/main" xmlns:com="http://schemas.openxmlformats.org/drawingml/2006/compatibility" xmlns:pvml="urn:schemas-microsoft-com:office:powerpoint" xmlns:v="urn:schemas-microsoft-com:vml" xmlns:o="urn:schemas-microsoft-com:office:office" xmlns:dgm="http://schemas.openxmlformats.org/drawingml/2006/diagram" xmlns:c="http://schemas.openxmlformats.org/drawingml/2006/chart" xmlns:mv="urn:schemas-microsoft-com:mac:vml" xmlns:mc="http://schemas.openxmlformats.org/markup-compatibility/2006" xmlns="" r:id="rId78" roundtripDataSignature="AMtx7mg1jRVB5ptXq1eZYLCKV2hfsmrwvg=="/>
     </p:ext>
   </p:extLst>
 </p:presentation>
@@ -2098,6 +2099,10 @@
             </a:lvl9pPr>
           </a:lstStyle>
           <a:p>
+            <a:fld id="{3E57FF13-4CD7-4839-AE40-27E27F5F95DF}" type="datetime1">
+              <a:rPr lang="en-US" smtClean="0"/>
+              <a:t>10/20/2022</a:t>
+            </a:fld>
             <a:endParaRPr/>
           </a:p>
         </p:txBody>
@@ -3698,6 +3703,10 @@
             </a:lvl9pPr>
           </a:lstStyle>
           <a:p>
+            <a:fld id="{16370FA4-B4E2-4A34-A0B8-95E77FBF37AE}" type="datetime1">
+              <a:rPr lang="en-US" smtClean="0"/>
+              <a:t>10/20/2022</a:t>
+            </a:fld>
             <a:endParaRPr/>
           </a:p>
         </p:txBody>
@@ -4429,6 +4438,10 @@
             </a:lvl9pPr>
           </a:lstStyle>
           <a:p>
+            <a:fld id="{01503F12-D364-4FBA-832B-C9B1572720E8}" type="datetime1">
+              <a:rPr lang="en-US" smtClean="0"/>
+              <a:t>10/20/2022</a:t>
+            </a:fld>
             <a:endParaRPr/>
           </a:p>
         </p:txBody>
@@ -5734,6 +5747,10 @@
             </a:lvl9pPr>
           </a:lstStyle>
           <a:p>
+            <a:fld id="{B056E874-EE2E-48B8-B70D-91C433BE6556}" type="datetime1">
+              <a:rPr lang="en-US" smtClean="0"/>
+              <a:t>10/20/2022</a:t>
+            </a:fld>
             <a:endParaRPr/>
           </a:p>
         </p:txBody>
@@ -6478,6 +6495,10 @@
             </a:lvl9pPr>
           </a:lstStyle>
           <a:p>
+            <a:fld id="{1C29956C-A786-466D-805F-A507B6B9F748}" type="datetime1">
+              <a:rPr lang="en-US" smtClean="0"/>
+              <a:t>10/20/2022</a:t>
+            </a:fld>
             <a:endParaRPr/>
           </a:p>
         </p:txBody>
@@ -7259,6 +7280,10 @@
             </a:lvl9pPr>
           </a:lstStyle>
           <a:p>
+            <a:fld id="{5C15A68F-21C1-4A32-8954-10DC6A527D14}" type="datetime1">
+              <a:rPr lang="en-US" smtClean="0"/>
+              <a:t>10/20/2022</a:t>
+            </a:fld>
             <a:endParaRPr/>
           </a:p>
         </p:txBody>
@@ -8190,6 +8215,10 @@
             </a:lvl9pPr>
           </a:lstStyle>
           <a:p>
+            <a:fld id="{CC5C7421-2501-4FBB-B2E8-8DB10FB64C48}" type="datetime1">
+              <a:rPr lang="en-US" smtClean="0"/>
+              <a:t>10/20/2022</a:t>
+            </a:fld>
             <a:endParaRPr/>
           </a:p>
         </p:txBody>
@@ -8747,6 +8776,10 @@
             </a:lvl9pPr>
           </a:lstStyle>
           <a:p>
+            <a:fld id="{EF5F16DE-6F3B-4044-A1BA-64CA9D80E922}" type="datetime1">
+              <a:rPr lang="en-US" smtClean="0"/>
+              <a:t>10/20/2022</a:t>
+            </a:fld>
             <a:endParaRPr/>
           </a:p>
         </p:txBody>
@@ -9165,6 +9198,10 @@
             </a:lvl9pPr>
           </a:lstStyle>
           <a:p>
+            <a:fld id="{094749D8-A7C9-44F8-A6B3-834ED921B27A}" type="datetime1">
+              <a:rPr lang="en-US" smtClean="0"/>
+              <a:t>10/20/2022</a:t>
+            </a:fld>
             <a:endParaRPr/>
           </a:p>
         </p:txBody>
@@ -10097,6 +10134,10 @@
             </a:lvl9pPr>
           </a:lstStyle>
           <a:p>
+            <a:fld id="{3A884884-A9F3-4EF4-8353-570EF2ECB6BD}" type="datetime1">
+              <a:rPr lang="en-US" smtClean="0"/>
+              <a:t>10/20/2022</a:t>
+            </a:fld>
             <a:endParaRPr/>
           </a:p>
         </p:txBody>
@@ -10866,6 +10907,10 @@
             </a:lvl9pPr>
           </a:lstStyle>
           <a:p>
+            <a:fld id="{A29935DE-3F02-4AE7-B4EC-1FCDFAF0B1DB}" type="datetime1">
+              <a:rPr lang="en-US" smtClean="0"/>
+              <a:t>10/20/2022</a:t>
+            </a:fld>
             <a:endParaRPr/>
           </a:p>
         </p:txBody>
@@ -12057,6 +12102,10 @@
             </a:lvl9pPr>
           </a:lstStyle>
           <a:p>
+            <a:fld id="{02AC9F35-33A0-437A-A507-E1202CE113CA}" type="datetime1">
+              <a:rPr lang="en-US" smtClean="0"/>
+              <a:t>10/20/2022</a:t>
+            </a:fld>
             <a:endParaRPr/>
           </a:p>
         </p:txBody>
@@ -12787,6 +12836,10 @@
             </a:lvl9pPr>
           </a:lstStyle>
           <a:p>
+            <a:fld id="{C9FD63F9-B968-4348-BB50-0FC786B06E4F}" type="datetime1">
+              <a:rPr lang="en-US" smtClean="0"/>
+              <a:t>10/20/2022</a:t>
+            </a:fld>
             <a:endParaRPr/>
           </a:p>
         </p:txBody>
@@ -13531,6 +13584,10 @@
             </a:lvl9pPr>
           </a:lstStyle>
           <a:p>
+            <a:fld id="{45F7B82D-AB66-4897-B83A-483BEF9F0E88}" type="datetime1">
+              <a:rPr lang="en-US" smtClean="0"/>
+              <a:t>10/20/2022</a:t>
+            </a:fld>
             <a:endParaRPr/>
           </a:p>
         </p:txBody>
@@ -13949,6 +14006,10 @@
             </a:lvl9pPr>
           </a:lstStyle>
           <a:p>
+            <a:fld id="{71DFA777-21E1-410B-A631-73D5AF0F83DD}" type="datetime1">
+              <a:rPr lang="en-US" smtClean="0"/>
+              <a:t>10/20/2022</a:t>
+            </a:fld>
             <a:endParaRPr/>
           </a:p>
         </p:txBody>
@@ -14786,6 +14847,10 @@
             </a:lvl9pPr>
           </a:lstStyle>
           <a:p>
+            <a:fld id="{4DAB5432-6A76-4413-A8B1-026BA6E25726}" type="datetime1">
+              <a:rPr lang="en-US" smtClean="0"/>
+              <a:t>10/20/2022</a:t>
+            </a:fld>
             <a:endParaRPr/>
           </a:p>
         </p:txBody>
@@ -15516,6 +15581,10 @@
             </a:lvl9pPr>
           </a:lstStyle>
           <a:p>
+            <a:fld id="{90C7A1BD-EE2F-445F-BA4D-6C8C74A47417}" type="datetime1">
+              <a:rPr lang="en-US" smtClean="0"/>
+              <a:t>10/20/2022</a:t>
+            </a:fld>
             <a:endParaRPr/>
           </a:p>
         </p:txBody>
@@ -16268,6 +16337,10 @@
             </a:lvl9pPr>
           </a:lstStyle>
           <a:p>
+            <a:fld id="{00DDC58B-C7B4-4F1A-B3F4-825394D538DF}" type="datetime1">
+              <a:rPr lang="en-US" smtClean="0"/>
+              <a:t>10/20/2022</a:t>
+            </a:fld>
             <a:endParaRPr/>
           </a:p>
         </p:txBody>
@@ -16962,6 +17035,10 @@
             </a:lvl9pPr>
           </a:lstStyle>
           <a:p>
+            <a:fld id="{4B1B938E-26BE-4009-8DCB-8BAE6415B027}" type="datetime1">
+              <a:rPr lang="en-US" smtClean="0"/>
+              <a:t>10/20/2022</a:t>
+            </a:fld>
             <a:endParaRPr/>
           </a:p>
         </p:txBody>
@@ -17799,6 +17876,10 @@
             </a:lvl9pPr>
           </a:lstStyle>
           <a:p>
+            <a:fld id="{F9F93962-3C76-4B4C-A5C8-622B9FA63F10}" type="datetime1">
+              <a:rPr lang="en-US" smtClean="0"/>
+              <a:t>10/20/2022</a:t>
+            </a:fld>
             <a:endParaRPr/>
           </a:p>
         </p:txBody>
@@ -18603,6 +18684,10 @@
             </a:lvl9pPr>
           </a:lstStyle>
           <a:p>
+            <a:fld id="{6AF4DF96-653E-4A08-9AD7-6D9B9859A210}" type="datetime1">
+              <a:rPr lang="en-US" smtClean="0"/>
+              <a:t>10/20/2022</a:t>
+            </a:fld>
             <a:endParaRPr/>
           </a:p>
         </p:txBody>
@@ -19530,6 +19615,10 @@
             </a:lvl9pPr>
           </a:lstStyle>
           <a:p>
+            <a:fld id="{3B5F5EB7-BEE4-46E6-B392-A101D57AAB8D}" type="datetime1">
+              <a:rPr lang="en-US" smtClean="0"/>
+              <a:t>10/20/2022</a:t>
+            </a:fld>
             <a:endParaRPr/>
           </a:p>
         </p:txBody>
@@ -19939,7 +20028,7 @@
   <p:transition spd="slow">
     <p:randomBar dir="vert"/>
   </p:transition>
-  <p:hf sldNum="0" hdr="0" ftr="0" dt="0"/>
+  <p:hf hdr="0" ftr="0"/>
   <p:txStyles>
     <p:titleStyle>
       <a:defPPr marR="0" lvl="0" algn="l" rtl="0">
@@ -21274,6 +21363,10 @@
             </a:lvl9pPr>
           </a:lstStyle>
           <a:p>
+            <a:fld id="{B5CDFB69-76B9-410D-BAFA-E88B1AA02BDB}" type="datetime1">
+              <a:rPr lang="en-US" smtClean="0"/>
+              <a:t>10/20/2022</a:t>
+            </a:fld>
             <a:endParaRPr/>
           </a:p>
         </p:txBody>
@@ -21698,7 +21791,7 @@
       </p:transition>
     </mc:Fallback>
   </mc:AlternateContent>
-  <p:hf sldNum="0" hdr="0" ftr="0" dt="0"/>
+  <p:hf hdr="0" ftr="0"/>
   <p:txStyles>
     <p:titleStyle>
       <a:defPPr marR="0" lvl="0" algn="l" rtl="0">
@@ -22576,6 +22669,136 @@
   <p:cSld>
     <p:spTree>
       <p:nvGrpSpPr>
+        <p:cNvPr id="1" name=""/>
+        <p:cNvGrpSpPr/>
+        <p:nvPr/>
+      </p:nvGrpSpPr>
+      <p:grpSpPr>
+        <a:xfrm>
+          <a:off x="0" y="0"/>
+          <a:ext cx="0" cy="0"/>
+          <a:chOff x="0" y="0"/>
+          <a:chExt cx="0" cy="0"/>
+        </a:xfrm>
+      </p:grpSpPr>
+      <p:pic>
+        <p:nvPicPr>
+          <p:cNvPr id="3" name="Picture 2">
+            <a:extLst>
+              <a:ext uri="{FF2B5EF4-FFF2-40B4-BE49-F238E27FC236}">
+                <a16:creationId xmlns:a16="http://schemas.microsoft.com/office/drawing/2014/main" id="{1404AA77-F071-0579-BC20-2C71987C9163}"/>
+              </a:ext>
+            </a:extLst>
+          </p:cNvPr>
+          <p:cNvPicPr>
+            <a:picLocks noChangeAspect="1"/>
+          </p:cNvPicPr>
+          <p:nvPr/>
+        </p:nvPicPr>
+        <p:blipFill>
+          <a:blip r:embed="rId2"/>
+          <a:stretch>
+            <a:fillRect/>
+          </a:stretch>
+        </p:blipFill>
+        <p:spPr>
+          <a:xfrm>
+            <a:off x="282222" y="89259"/>
+            <a:ext cx="11555968" cy="6717942"/>
+          </a:xfrm>
+          <a:prstGeom prst="rect">
+            <a:avLst/>
+          </a:prstGeom>
+        </p:spPr>
+      </p:pic>
+      <p:sp>
+        <p:nvSpPr>
+          <p:cNvPr id="2" name="Date Placeholder 1">
+            <a:extLst>
+              <a:ext uri="{FF2B5EF4-FFF2-40B4-BE49-F238E27FC236}">
+                <a16:creationId xmlns:a16="http://schemas.microsoft.com/office/drawing/2014/main" id="{6031B04A-C739-1E2C-8619-99151EC91FDB}"/>
+              </a:ext>
+            </a:extLst>
+          </p:cNvPr>
+          <p:cNvSpPr>
+            <a:spLocks noGrp="1"/>
+          </p:cNvSpPr>
+          <p:nvPr>
+            <p:ph type="dt" idx="10"/>
+          </p:nvPr>
+        </p:nvSpPr>
+        <p:spPr/>
+        <p:txBody>
+          <a:bodyPr/>
+          <a:lstStyle/>
+          <a:p>
+            <a:fld id="{C198046E-7C4D-4F2A-AD3D-8D60E6578583}" type="datetime1">
+              <a:rPr lang="en-US" smtClean="0"/>
+              <a:t>10/20/2022</a:t>
+            </a:fld>
+            <a:endParaRPr lang="en-US"/>
+          </a:p>
+        </p:txBody>
+      </p:sp>
+      <p:sp>
+        <p:nvSpPr>
+          <p:cNvPr id="4" name="Slide Number Placeholder 3">
+            <a:extLst>
+              <a:ext uri="{FF2B5EF4-FFF2-40B4-BE49-F238E27FC236}">
+                <a16:creationId xmlns:a16="http://schemas.microsoft.com/office/drawing/2014/main" id="{21D64AB9-A192-63FC-8D58-8A055C039071}"/>
+              </a:ext>
+            </a:extLst>
+          </p:cNvPr>
+          <p:cNvSpPr>
+            <a:spLocks noGrp="1"/>
+          </p:cNvSpPr>
+          <p:nvPr>
+            <p:ph type="sldNum" idx="12"/>
+          </p:nvPr>
+        </p:nvSpPr>
+        <p:spPr/>
+        <p:txBody>
+          <a:bodyPr/>
+          <a:lstStyle/>
+          <a:p>
+            <a:pPr marL="0" lvl="0" indent="0" algn="r" rtl="0">
+              <a:spcBef>
+                <a:spcPts val="0"/>
+              </a:spcBef>
+              <a:spcAft>
+                <a:spcPts val="0"/>
+              </a:spcAft>
+              <a:buNone/>
+            </a:pPr>
+            <a:fld id="{00000000-1234-1234-1234-123412341234}" type="slidenum">
+              <a:rPr lang="en-US" smtClean="0"/>
+              <a:t>10</a:t>
+            </a:fld>
+            <a:endParaRPr lang="en-US"/>
+          </a:p>
+        </p:txBody>
+      </p:sp>
+    </p:spTree>
+    <p:extLst>
+      <p:ext uri="{BB962C8B-B14F-4D97-AF65-F5344CB8AC3E}">
+        <p14:creationId xmlns:p14="http://schemas.microsoft.com/office/powerpoint/2010/main" val="2558335153"/>
+      </p:ext>
+    </p:extLst>
+  </p:cSld>
+  <p:clrMapOvr>
+    <a:masterClrMapping/>
+  </p:clrMapOvr>
+  <p:transition spd="slow">
+    <p:randomBar dir="vert"/>
+  </p:transition>
+</p:sld>
+</file>
+
+<file path=ppt/slides/slide11.xml><?xml version="1.0" encoding="utf-8"?>
+<p:sld xmlns:a="http://schemas.openxmlformats.org/drawingml/2006/main" xmlns:r="http://schemas.openxmlformats.org/officeDocument/2006/relationships" xmlns:p="http://schemas.openxmlformats.org/presentationml/2006/main">
+  <p:cSld>
+    <p:spTree>
+      <p:nvGrpSpPr>
         <p:cNvPr id="1" name="Shape 599"/>
         <p:cNvGrpSpPr/>
         <p:nvPr/>
@@ -22831,6 +23054,73 @@
           </a:p>
         </p:txBody>
       </p:sp>
+      <p:sp>
+        <p:nvSpPr>
+          <p:cNvPr id="3" name="Date Placeholder 2">
+            <a:extLst>
+              <a:ext uri="{FF2B5EF4-FFF2-40B4-BE49-F238E27FC236}">
+                <a16:creationId xmlns:a16="http://schemas.microsoft.com/office/drawing/2014/main" id="{C834E2CD-63E6-E565-572C-A9BDA541DC6B}"/>
+              </a:ext>
+            </a:extLst>
+          </p:cNvPr>
+          <p:cNvSpPr>
+            <a:spLocks noGrp="1"/>
+          </p:cNvSpPr>
+          <p:nvPr>
+            <p:ph type="dt" idx="10"/>
+          </p:nvPr>
+        </p:nvSpPr>
+        <p:spPr/>
+        <p:txBody>
+          <a:bodyPr/>
+          <a:lstStyle/>
+          <a:p>
+            <a:fld id="{F0B5A8DC-392A-4A45-8DFD-19A406991B9B}" type="datetime1">
+              <a:rPr lang="en-US" smtClean="0"/>
+              <a:t>10/20/2022</a:t>
+            </a:fld>
+            <a:endParaRPr lang="en-US"/>
+          </a:p>
+        </p:txBody>
+      </p:sp>
+      <p:sp>
+        <p:nvSpPr>
+          <p:cNvPr id="4" name="Slide Number Placeholder 3">
+            <a:extLst>
+              <a:ext uri="{FF2B5EF4-FFF2-40B4-BE49-F238E27FC236}">
+                <a16:creationId xmlns:a16="http://schemas.microsoft.com/office/drawing/2014/main" id="{F782BE8E-ADAA-CA8A-9EB3-8A7AF375668E}"/>
+              </a:ext>
+            </a:extLst>
+          </p:cNvPr>
+          <p:cNvSpPr>
+            <a:spLocks noGrp="1"/>
+          </p:cNvSpPr>
+          <p:nvPr>
+            <p:ph type="sldNum" idx="12"/>
+          </p:nvPr>
+        </p:nvSpPr>
+        <p:spPr/>
+        <p:txBody>
+          <a:bodyPr/>
+          <a:lstStyle/>
+          <a:p>
+            <a:pPr marL="0" lvl="0" indent="0" algn="r" rtl="0">
+              <a:spcBef>
+                <a:spcPts val="0"/>
+              </a:spcBef>
+              <a:spcAft>
+                <a:spcPts val="0"/>
+              </a:spcAft>
+              <a:buNone/>
+            </a:pPr>
+            <a:fld id="{00000000-1234-1234-1234-123412341234}" type="slidenum">
+              <a:rPr lang="en-US" smtClean="0"/>
+              <a:t>11</a:t>
+            </a:fld>
+            <a:endParaRPr lang="en-US"/>
+          </a:p>
+        </p:txBody>
+      </p:sp>
     </p:spTree>
     <p:extLst>
       <p:ext uri="{BB962C8B-B14F-4D97-AF65-F5344CB8AC3E}">
@@ -22877,7 +23167,7 @@
         <p:spPr>
           <a:xfrm>
             <a:off x="899241" y="192157"/>
-            <a:ext cx="10353762" cy="1257300"/>
+            <a:ext cx="10353762" cy="993176"/>
           </a:xfrm>
           <a:prstGeom prst="rect">
             <a:avLst/>
@@ -22945,8 +23235,8 @@
         </p:nvSpPr>
         <p:spPr>
           <a:xfrm>
-            <a:off x="119270" y="1559615"/>
-            <a:ext cx="11913704" cy="5298385"/>
+            <a:off x="191910" y="1106311"/>
+            <a:ext cx="11841063" cy="5751689"/>
           </a:xfrm>
           <a:prstGeom prst="rect">
             <a:avLst/>
@@ -22965,7 +23255,7 @@
         </p:spPr>
         <p:txBody>
           <a:bodyPr spcFirstLastPara="1" wrap="square" lIns="91425" tIns="45700" rIns="91425" bIns="45700" anchor="t" anchorCtr="0">
-            <a:normAutofit/>
+            <a:noAutofit/>
           </a:bodyPr>
           <a:lstStyle/>
           <a:p>
@@ -22977,12 +23267,12 @@
               <a:buNone/>
             </a:pPr>
             <a:r>
-              <a:rPr lang="en-US" sz="2400" dirty="0" err="1"/>
+              <a:rPr lang="en-US" sz="2800" dirty="0" err="1"/>
               <a:t>Jupyter</a:t>
             </a:r>
             <a:r>
-              <a:rPr lang="en-US" sz="2400" dirty="0"/>
-              <a:t> Notebook is an open source web application that you can use to create and share documents that contain live code, equations, visualizations, and text. </a:t>
+              <a:rPr lang="en-US" sz="2800" dirty="0"/>
+              <a:t> Notebook - an open source web application used to create and share documents that contain ~ live code ~ equations ~ visualizations ~ text</a:t>
             </a:r>
           </a:p>
           <a:p>
@@ -22993,7 +23283,7 @@
               <a:buSzPts val="1610"/>
               <a:buNone/>
             </a:pPr>
-            <a:endParaRPr lang="en-US" sz="2400" dirty="0"/>
+            <a:endParaRPr lang="en-US" sz="2800" dirty="0"/>
           </a:p>
           <a:p>
             <a:pPr marL="36900" lvl="0" indent="0" algn="l" rtl="0">
@@ -23010,8 +23300,8 @@
               <a:buNone/>
             </a:pPr>
             <a:r>
-              <a:rPr lang="en-US" sz="2400" dirty="0"/>
-              <a:t>The notebook extends the console-based approach to interactive computing in a qualitatively new direction.</a:t>
+              <a:rPr lang="en-US" sz="2800" dirty="0"/>
+              <a:t>The Notebook extends the console-based approach to interactive computing</a:t>
             </a:r>
           </a:p>
           <a:p>
@@ -23028,25 +23318,19 @@
               <a:buSzPts val="1610"/>
               <a:buNone/>
             </a:pPr>
-            <a:endParaRPr lang="en-US" sz="2400" dirty="0"/>
+            <a:endParaRPr lang="en-US" sz="2800" dirty="0"/>
           </a:p>
           <a:p>
-            <a:pPr marL="36900" lvl="0" indent="0" algn="l" rtl="0">
-              <a:lnSpc>
-                <a:spcPct val="110000"/>
-              </a:lnSpc>
-              <a:spcBef>
-                <a:spcPts val="0"/>
-              </a:spcBef>
-              <a:spcAft>
-                <a:spcPts val="0"/>
-              </a:spcAft>
+            <a:pPr marL="36900" lvl="0" indent="0">
+              <a:spcBef>
+                <a:spcPts val="0"/>
+              </a:spcBef>
               <a:buSzPts val="1610"/>
               <a:buNone/>
             </a:pPr>
             <a:r>
-              <a:rPr lang="en-US" sz="2400" dirty="0"/>
-              <a:t>It provides a web-based application suitable for capturing the whole computation process:-  developing, documenting, and executing code, as well as communicating the results.</a:t>
+              <a:rPr lang="en-US" sz="2800" dirty="0"/>
+              <a:t>It’s a web-based application for the whole computation process:-  developing, documenting, executing code, and communicating the results</a:t>
             </a:r>
           </a:p>
           <a:p>
@@ -23057,7 +23341,7 @@
               <a:buSzPts val="1610"/>
               <a:buNone/>
             </a:pPr>
-            <a:endParaRPr lang="en-US" sz="2400" dirty="0"/>
+            <a:endParaRPr lang="en-US" sz="2800" dirty="0"/>
           </a:p>
           <a:p>
             <a:pPr marL="36900" lvl="0" indent="0">
@@ -23068,36 +23352,32 @@
               <a:buNone/>
             </a:pPr>
             <a:r>
-              <a:rPr lang="en-US" sz="2400" dirty="0" err="1"/>
+              <a:rPr lang="en-US" sz="2800" dirty="0"/>
+              <a:t>It’s a spin-off from the </a:t>
+            </a:r>
+            <a:r>
+              <a:rPr lang="en-US" sz="2800" dirty="0" err="1"/>
+              <a:t>IPython</a:t>
+            </a:r>
+            <a:r>
+              <a:rPr lang="en-US" sz="2800" dirty="0"/>
+              <a:t> project, and is maintained by the open-source community at Project </a:t>
+            </a:r>
+            <a:r>
+              <a:rPr lang="en-US" sz="2800" dirty="0" err="1"/>
               <a:t>Jupyter</a:t>
             </a:r>
             <a:r>
-              <a:rPr lang="en-US" sz="2400" dirty="0"/>
-              <a:t> Notebook is a spin-off project from the </a:t>
-            </a:r>
-            <a:r>
-              <a:rPr lang="en-US" sz="2400" dirty="0" err="1"/>
-              <a:t>IPython</a:t>
-            </a:r>
-            <a:r>
-              <a:rPr lang="en-US" sz="2400" dirty="0"/>
-              <a:t> project, and is maintained by the people at Project </a:t>
-            </a:r>
-            <a:r>
-              <a:rPr lang="en-US" sz="2400" dirty="0" err="1"/>
-              <a:t>Jupyter</a:t>
-            </a:r>
-            <a:r>
-              <a:rPr lang="en-US" sz="2400" dirty="0"/>
+              <a:rPr lang="en-US" sz="2800" dirty="0"/>
               <a:t> -- </a:t>
             </a:r>
             <a:r>
-              <a:rPr lang="en-US" sz="2400" dirty="0">
+              <a:rPr lang="en-US" sz="2800" dirty="0">
                 <a:hlinkClick r:id="rId3"/>
               </a:rPr>
               <a:t>http://jupyter.org/</a:t>
             </a:r>
-            <a:endParaRPr lang="en-US" sz="2400" dirty="0"/>
+            <a:endParaRPr lang="en-US" sz="2800" dirty="0"/>
           </a:p>
         </p:txBody>
       </p:sp>
@@ -23476,7 +23756,7 @@
         <p:spPr>
           <a:xfrm>
             <a:off x="214489" y="203446"/>
-            <a:ext cx="11593689" cy="959310"/>
+            <a:ext cx="11593689" cy="789976"/>
           </a:xfrm>
           <a:prstGeom prst="rect">
             <a:avLst/>
@@ -23544,8 +23824,8 @@
         </p:nvSpPr>
         <p:spPr>
           <a:xfrm>
-            <a:off x="119270" y="1399823"/>
-            <a:ext cx="11913704" cy="5458178"/>
+            <a:off x="0" y="1185333"/>
+            <a:ext cx="12032974" cy="5672668"/>
           </a:xfrm>
           <a:prstGeom prst="rect">
             <a:avLst/>
@@ -23568,34 +23848,6 @@
           </a:bodyPr>
           <a:lstStyle/>
           <a:p>
-            <a:pPr marL="36900" lvl="0" indent="0" algn="l" rtl="0">
-              <a:lnSpc>
-                <a:spcPct val="110000"/>
-              </a:lnSpc>
-              <a:spcBef>
-                <a:spcPts val="0"/>
-              </a:spcBef>
-              <a:spcAft>
-                <a:spcPts val="0"/>
-              </a:spcAft>
-              <a:buSzPts val="1610"/>
-              <a:buNone/>
-            </a:pPr>
-            <a:r>
-              <a:rPr lang="en-US" sz="2400" dirty="0"/>
-              <a:t>The </a:t>
-            </a:r>
-            <a:r>
-              <a:rPr lang="en-US" sz="2400" dirty="0" err="1"/>
-              <a:t>Jupyter</a:t>
-            </a:r>
-            <a:r>
-              <a:rPr lang="en-US" sz="2400" dirty="0"/>
-              <a:t> Notebook combines two components:</a:t>
-            </a:r>
-            <a:endParaRPr sz="2400" dirty="0"/>
-          </a:p>
-          <a:p>
             <a:pPr marL="342900" lvl="0" indent="-306000" algn="l" rtl="0">
               <a:lnSpc>
                 <a:spcPct val="110000"/>
@@ -23610,12 +23862,20 @@
               <a:buChar char="◈"/>
             </a:pPr>
             <a:r>
-              <a:rPr lang="en-US" sz="2400" b="1" dirty="0"/>
+              <a:rPr lang="en-US" sz="2800" b="1" dirty="0"/>
               <a:t>A Web Application</a:t>
             </a:r>
             <a:r>
-              <a:rPr lang="en-US" sz="2400" dirty="0"/>
-              <a:t>: a browser-based tool for interactive authoring of documents which combine explanatory text, mathematics, computations and their rich media output.</a:t>
+              <a:rPr lang="en-US" sz="2800" dirty="0"/>
+              <a:t>: a browser-based tool for interactive authoring of documents -  </a:t>
+            </a:r>
+            <a:r>
+              <a:rPr lang="en-US" sz="2800" dirty="0" err="1"/>
+              <a:t>combineding</a:t>
+            </a:r>
+            <a:r>
+              <a:rPr lang="en-US" sz="2800" dirty="0"/>
+              <a:t> text, mathematics, code, computations and rich media output.</a:t>
             </a:r>
           </a:p>
           <a:p>
@@ -23632,7 +23892,7 @@
               <a:buSzPts val="1610"/>
               <a:buChar char="◈"/>
             </a:pPr>
-            <a:endParaRPr sz="2400" dirty="0"/>
+            <a:endParaRPr sz="2800" dirty="0"/>
           </a:p>
           <a:p>
             <a:pPr marL="342900" lvl="0" indent="-306000" algn="l" rtl="0">
@@ -23649,12 +23909,12 @@
               <a:buChar char="◈"/>
             </a:pPr>
             <a:r>
-              <a:rPr lang="en-US" sz="2400" b="1" dirty="0"/>
+              <a:rPr lang="en-US" sz="2800" b="1" dirty="0"/>
               <a:t>Notebook Documents</a:t>
             </a:r>
             <a:r>
-              <a:rPr lang="en-US" sz="2400" dirty="0"/>
-              <a:t>: a representation of all content visible in the web application, including inputs and outputs of the computations, explanatory text, mathematics, images, and rich media representations of objects.</a:t>
+              <a:rPr lang="en-US" sz="2800" dirty="0"/>
+              <a:t>: a representation of all content visible in the web application, including inputs and outputs of computations, explanatory text, mathematics, images, and rich media representations of objects.</a:t>
             </a:r>
           </a:p>
           <a:p>
@@ -23671,7 +23931,7 @@
               <a:buSzPts val="1610"/>
               <a:buNone/>
             </a:pPr>
-            <a:endParaRPr lang="en-US" sz="2400" dirty="0"/>
+            <a:endParaRPr lang="en-US" sz="2800" dirty="0"/>
           </a:p>
           <a:p>
             <a:pPr marL="36900" lvl="0" indent="0" algn="l" rtl="0">
@@ -23688,18 +23948,18 @@
               <a:buNone/>
             </a:pPr>
             <a:r>
-              <a:rPr lang="en-US" sz="2400" dirty="0"/>
+              <a:rPr lang="en-US" sz="2800" dirty="0"/>
               <a:t>We’ll also install </a:t>
             </a:r>
             <a:r>
-              <a:rPr lang="en-US" sz="2400" dirty="0" err="1"/>
+              <a:rPr lang="en-US" sz="2800" dirty="0" err="1"/>
               <a:t>Jupyter</a:t>
             </a:r>
             <a:r>
-              <a:rPr lang="en-US" sz="2400" dirty="0"/>
+              <a:rPr lang="en-US" sz="2800" dirty="0"/>
               <a:t> Notebook in VS Code, to use directly inside the IDE, to have a single place to work from as we go.</a:t>
             </a:r>
-            <a:endParaRPr sz="2400" dirty="0"/>
+            <a:endParaRPr sz="2800" dirty="0"/>
           </a:p>
         </p:txBody>
       </p:sp>
@@ -23828,7 +24088,7 @@
                                         <p:tgtEl>
                                           <p:spTgt spid="569">
                                             <p:txEl>
-                                              <p:pRg st="1" end="1"/>
+                                              <p:pRg st="2" end="2"/>
                                             </p:txEl>
                                           </p:spTgt>
                                         </p:tgtEl>
@@ -23846,7 +24106,7 @@
                                         <p:tgtEl>
                                           <p:spTgt spid="569">
                                             <p:txEl>
-                                              <p:pRg st="1" end="1"/>
+                                              <p:pRg st="2" end="2"/>
                                             </p:txEl>
                                           </p:spTgt>
                                         </p:tgtEl>
@@ -23904,7 +24164,7 @@
                                         <p:tgtEl>
                                           <p:spTgt spid="569">
                                             <p:txEl>
-                                              <p:pRg st="3" end="3"/>
+                                              <p:pRg st="4" end="4"/>
                                             </p:txEl>
                                           </p:spTgt>
                                         </p:tgtEl>
@@ -23922,83 +24182,7 @@
                                         <p:tgtEl>
                                           <p:spTgt spid="569">
                                             <p:txEl>
-                                              <p:pRg st="3" end="3"/>
-                                            </p:txEl>
-                                          </p:spTgt>
-                                        </p:tgtEl>
-                                        <p:attrNameLst>
-                                          <p:attrName>ppt_y</p:attrName>
-                                        </p:attrNameLst>
-                                      </p:cBhvr>
-                                      <p:tavLst>
-                                        <p:tav tm="0">
-                                          <p:val>
-                                            <p:strVal val="#ppt_y+1"/>
-                                          </p:val>
-                                        </p:tav>
-                                        <p:tav tm="100000">
-                                          <p:val>
-                                            <p:strVal val="#ppt_y"/>
-                                          </p:val>
-                                        </p:tav>
-                                      </p:tavLst>
-                                    </p:anim>
-                                  </p:childTnLst>
-                                </p:cTn>
-                              </p:par>
-                            </p:childTnLst>
-                          </p:cTn>
-                        </p:par>
-                      </p:childTnLst>
-                    </p:cTn>
-                  </p:par>
-                  <p:par>
-                    <p:cTn id="18" fill="hold">
-                      <p:stCondLst>
-                        <p:cond delay="indefinite"/>
-                      </p:stCondLst>
-                      <p:childTnLst>
-                        <p:par>
-                          <p:cTn id="19" fill="hold">
-                            <p:stCondLst>
-                              <p:cond delay="0"/>
-                            </p:stCondLst>
-                            <p:childTnLst>
-                              <p:par>
-                                <p:cTn id="20" presetID="2" presetClass="entr" presetSubtype="4" fill="hold" nodeType="clickEffect">
-                                  <p:stCondLst>
-                                    <p:cond delay="0"/>
-                                  </p:stCondLst>
-                                  <p:childTnLst>
-                                    <p:set>
-                                      <p:cBhvr>
-                                        <p:cTn id="21" dur="1" fill="hold">
-                                          <p:stCondLst>
-                                            <p:cond delay="0"/>
-                                          </p:stCondLst>
-                                        </p:cTn>
-                                        <p:tgtEl>
-                                          <p:spTgt spid="569">
-                                            <p:txEl>
-                                              <p:pRg st="5" end="5"/>
-                                            </p:txEl>
-                                          </p:spTgt>
-                                        </p:tgtEl>
-                                        <p:attrNameLst>
-                                          <p:attrName>style.visibility</p:attrName>
-                                        </p:attrNameLst>
-                                      </p:cBhvr>
-                                      <p:to>
-                                        <p:strVal val="visible"/>
-                                      </p:to>
-                                    </p:set>
-                                    <p:anim calcmode="lin" valueType="num">
-                                      <p:cBhvr additive="base">
-                                        <p:cTn id="22" dur="500"/>
-                                        <p:tgtEl>
-                                          <p:spTgt spid="569">
-                                            <p:txEl>
-                                              <p:pRg st="5" end="5"/>
+                                              <p:pRg st="4" end="4"/>
                                             </p:txEl>
                                           </p:spTgt>
                                         </p:tgtEl>
@@ -24227,6 +24411,73 @@
               <a:t> notebook</a:t>
             </a:r>
             <a:endParaRPr sz="2800" dirty="0"/>
+          </a:p>
+        </p:txBody>
+      </p:sp>
+      <p:sp>
+        <p:nvSpPr>
+          <p:cNvPr id="2" name="Date Placeholder 1">
+            <a:extLst>
+              <a:ext uri="{FF2B5EF4-FFF2-40B4-BE49-F238E27FC236}">
+                <a16:creationId xmlns:a16="http://schemas.microsoft.com/office/drawing/2014/main" id="{017EEE38-2F0F-86BB-ED9A-54BC35E34752}"/>
+              </a:ext>
+            </a:extLst>
+          </p:cNvPr>
+          <p:cNvSpPr>
+            <a:spLocks noGrp="1"/>
+          </p:cNvSpPr>
+          <p:nvPr>
+            <p:ph type="dt" idx="10"/>
+          </p:nvPr>
+        </p:nvSpPr>
+        <p:spPr/>
+        <p:txBody>
+          <a:bodyPr/>
+          <a:lstStyle/>
+          <a:p>
+            <a:fld id="{C5BB0682-ED1A-49F2-885B-D9EA3DDD27AA}" type="datetime1">
+              <a:rPr lang="en-US" smtClean="0"/>
+              <a:t>10/20/2022</a:t>
+            </a:fld>
+            <a:endParaRPr lang="en-US"/>
+          </a:p>
+        </p:txBody>
+      </p:sp>
+      <p:sp>
+        <p:nvSpPr>
+          <p:cNvPr id="3" name="Slide Number Placeholder 2">
+            <a:extLst>
+              <a:ext uri="{FF2B5EF4-FFF2-40B4-BE49-F238E27FC236}">
+                <a16:creationId xmlns:a16="http://schemas.microsoft.com/office/drawing/2014/main" id="{3CC59797-1DC3-E5EA-A618-AED83B849E9A}"/>
+              </a:ext>
+            </a:extLst>
+          </p:cNvPr>
+          <p:cNvSpPr>
+            <a:spLocks noGrp="1"/>
+          </p:cNvSpPr>
+          <p:nvPr>
+            <p:ph type="sldNum" idx="12"/>
+          </p:nvPr>
+        </p:nvSpPr>
+        <p:spPr/>
+        <p:txBody>
+          <a:bodyPr/>
+          <a:lstStyle/>
+          <a:p>
+            <a:pPr marL="0" lvl="0" indent="0" algn="r" rtl="0">
+              <a:spcBef>
+                <a:spcPts val="0"/>
+              </a:spcBef>
+              <a:spcAft>
+                <a:spcPts val="0"/>
+              </a:spcAft>
+              <a:buNone/>
+            </a:pPr>
+            <a:fld id="{00000000-1234-1234-1234-123412341234}" type="slidenum">
+              <a:rPr lang="en-US" smtClean="0"/>
+              <a:t>4</a:t>
+            </a:fld>
+            <a:endParaRPr lang="en-US"/>
           </a:p>
         </p:txBody>
       </p:sp>
@@ -24715,6 +24966,73 @@
               <a:t> Cell Tags</a:t>
             </a:r>
             <a:endParaRPr sz="3600" dirty="0"/>
+          </a:p>
+        </p:txBody>
+      </p:sp>
+      <p:sp>
+        <p:nvSpPr>
+          <p:cNvPr id="2" name="Date Placeholder 1">
+            <a:extLst>
+              <a:ext uri="{FF2B5EF4-FFF2-40B4-BE49-F238E27FC236}">
+                <a16:creationId xmlns:a16="http://schemas.microsoft.com/office/drawing/2014/main" id="{EE07A9D0-7FE2-A5B5-17EC-94BB5D7A76F7}"/>
+              </a:ext>
+            </a:extLst>
+          </p:cNvPr>
+          <p:cNvSpPr>
+            <a:spLocks noGrp="1"/>
+          </p:cNvSpPr>
+          <p:nvPr>
+            <p:ph type="dt" idx="10"/>
+          </p:nvPr>
+        </p:nvSpPr>
+        <p:spPr/>
+        <p:txBody>
+          <a:bodyPr/>
+          <a:lstStyle/>
+          <a:p>
+            <a:fld id="{F7F9F912-9FFA-422E-86CC-F8D430EF178D}" type="datetime1">
+              <a:rPr lang="en-US" smtClean="0"/>
+              <a:t>10/20/2022</a:t>
+            </a:fld>
+            <a:endParaRPr lang="en-US"/>
+          </a:p>
+        </p:txBody>
+      </p:sp>
+      <p:sp>
+        <p:nvSpPr>
+          <p:cNvPr id="3" name="Slide Number Placeholder 2">
+            <a:extLst>
+              <a:ext uri="{FF2B5EF4-FFF2-40B4-BE49-F238E27FC236}">
+                <a16:creationId xmlns:a16="http://schemas.microsoft.com/office/drawing/2014/main" id="{5A20F94C-CFFC-9A67-A444-D538BBA31205}"/>
+              </a:ext>
+            </a:extLst>
+          </p:cNvPr>
+          <p:cNvSpPr>
+            <a:spLocks noGrp="1"/>
+          </p:cNvSpPr>
+          <p:nvPr>
+            <p:ph type="sldNum" idx="12"/>
+          </p:nvPr>
+        </p:nvSpPr>
+        <p:spPr/>
+        <p:txBody>
+          <a:bodyPr/>
+          <a:lstStyle/>
+          <a:p>
+            <a:pPr marL="0" lvl="0" indent="0" algn="r" rtl="0">
+              <a:spcBef>
+                <a:spcPts val="0"/>
+              </a:spcBef>
+              <a:spcAft>
+                <a:spcPts val="0"/>
+              </a:spcAft>
+              <a:buNone/>
+            </a:pPr>
+            <a:fld id="{00000000-1234-1234-1234-123412341234}" type="slidenum">
+              <a:rPr lang="en-US" smtClean="0"/>
+              <a:t>5</a:t>
+            </a:fld>
+            <a:endParaRPr lang="en-US"/>
           </a:p>
         </p:txBody>
       </p:sp>
@@ -25209,7 +25527,7 @@
                   <a:schemeClr val="lt1"/>
                 </a:solidFill>
               </a:rPr>
-              <a:t>Type </a:t>
+              <a:t>Type `</a:t>
             </a:r>
             <a:r>
               <a:rPr lang="en-US" sz="2800" dirty="0" err="1">
@@ -25225,7 +25543,7 @@
                   <a:schemeClr val="lt1"/>
                 </a:solidFill>
               </a:rPr>
-              <a:t> notebook in your terminal and press enter</a:t>
+              <a:t> notebook` in your terminal and press enter</a:t>
             </a:r>
             <a:endParaRPr dirty="0"/>
           </a:p>
@@ -25269,6 +25587,73 @@
           </a:effectLst>
         </p:spPr>
       </p:pic>
+      <p:sp>
+        <p:nvSpPr>
+          <p:cNvPr id="2" name="Date Placeholder 1">
+            <a:extLst>
+              <a:ext uri="{FF2B5EF4-FFF2-40B4-BE49-F238E27FC236}">
+                <a16:creationId xmlns:a16="http://schemas.microsoft.com/office/drawing/2014/main" id="{8B7A7B29-5824-636C-9E27-492875AA6B66}"/>
+              </a:ext>
+            </a:extLst>
+          </p:cNvPr>
+          <p:cNvSpPr>
+            <a:spLocks noGrp="1"/>
+          </p:cNvSpPr>
+          <p:nvPr>
+            <p:ph type="dt" idx="10"/>
+          </p:nvPr>
+        </p:nvSpPr>
+        <p:spPr/>
+        <p:txBody>
+          <a:bodyPr/>
+          <a:lstStyle/>
+          <a:p>
+            <a:fld id="{3CE3E562-FE5A-4501-ABDD-DD45594871F8}" type="datetime1">
+              <a:rPr lang="en-US" smtClean="0"/>
+              <a:t>10/20/2022</a:t>
+            </a:fld>
+            <a:endParaRPr lang="en-US"/>
+          </a:p>
+        </p:txBody>
+      </p:sp>
+      <p:sp>
+        <p:nvSpPr>
+          <p:cNvPr id="3" name="Slide Number Placeholder 2">
+            <a:extLst>
+              <a:ext uri="{FF2B5EF4-FFF2-40B4-BE49-F238E27FC236}">
+                <a16:creationId xmlns:a16="http://schemas.microsoft.com/office/drawing/2014/main" id="{9EBF002D-5B5A-880F-B774-D360F116CC3D}"/>
+              </a:ext>
+            </a:extLst>
+          </p:cNvPr>
+          <p:cNvSpPr>
+            <a:spLocks noGrp="1"/>
+          </p:cNvSpPr>
+          <p:nvPr>
+            <p:ph type="sldNum" idx="12"/>
+          </p:nvPr>
+        </p:nvSpPr>
+        <p:spPr/>
+        <p:txBody>
+          <a:bodyPr/>
+          <a:lstStyle/>
+          <a:p>
+            <a:pPr marL="0" lvl="0" indent="0" algn="r" rtl="0">
+              <a:spcBef>
+                <a:spcPts val="0"/>
+              </a:spcBef>
+              <a:spcAft>
+                <a:spcPts val="0"/>
+              </a:spcAft>
+              <a:buNone/>
+            </a:pPr>
+            <a:fld id="{00000000-1234-1234-1234-123412341234}" type="slidenum">
+              <a:rPr lang="en-US" smtClean="0"/>
+              <a:t>6</a:t>
+            </a:fld>
+            <a:endParaRPr lang="en-US"/>
+          </a:p>
+        </p:txBody>
+      </p:sp>
     </p:spTree>
   </p:cSld>
   <p:clrMapOvr>
@@ -25368,6 +25753,425 @@
   <p:cSld>
     <p:spTree>
       <p:nvGrpSpPr>
+        <p:cNvPr id="1" name=""/>
+        <p:cNvGrpSpPr/>
+        <p:nvPr/>
+      </p:nvGrpSpPr>
+      <p:grpSpPr>
+        <a:xfrm>
+          <a:off x="0" y="0"/>
+          <a:ext cx="0" cy="0"/>
+          <a:chOff x="0" y="0"/>
+          <a:chExt cx="0" cy="0"/>
+        </a:xfrm>
+      </p:grpSpPr>
+      <p:sp>
+        <p:nvSpPr>
+          <p:cNvPr id="2" name="Google Shape;575;p32">
+            <a:extLst>
+              <a:ext uri="{FF2B5EF4-FFF2-40B4-BE49-F238E27FC236}">
+                <a16:creationId xmlns:a16="http://schemas.microsoft.com/office/drawing/2014/main" id="{A95AA756-D3F5-37EB-50C1-D9AF88C9B168}"/>
+              </a:ext>
+            </a:extLst>
+          </p:cNvPr>
+          <p:cNvSpPr txBox="1">
+            <a:spLocks/>
+          </p:cNvSpPr>
+          <p:nvPr/>
+        </p:nvSpPr>
+        <p:spPr>
+          <a:xfrm>
+            <a:off x="913794" y="214490"/>
+            <a:ext cx="10364411" cy="824089"/>
+          </a:xfrm>
+          <a:prstGeom prst="rect">
+            <a:avLst/>
+          </a:prstGeom>
+          <a:noFill/>
+          <a:ln>
+            <a:noFill/>
+          </a:ln>
+          <a:effectLst>
+            <a:outerShdw blurRad="25400">
+              <a:srgbClr val="000000">
+                <a:alpha val="45882"/>
+              </a:srgbClr>
+            </a:outerShdw>
+          </a:effectLst>
+        </p:spPr>
+        <p:txBody>
+          <a:bodyPr spcFirstLastPara="1" wrap="square" lIns="91425" tIns="45700" rIns="91425" bIns="45700" anchor="t" anchorCtr="0">
+            <a:normAutofit/>
+          </a:bodyPr>
+          <a:lstStyle>
+            <a:defPPr marR="0" lvl="0" algn="l" rtl="0">
+              <a:lnSpc>
+                <a:spcPct val="100000"/>
+              </a:lnSpc>
+              <a:spcBef>
+                <a:spcPts val="0"/>
+              </a:spcBef>
+              <a:spcAft>
+                <a:spcPts val="0"/>
+              </a:spcAft>
+            </a:defPPr>
+            <a:lvl1pPr marR="0" lvl="0" algn="l" rtl="0">
+              <a:lnSpc>
+                <a:spcPct val="100000"/>
+              </a:lnSpc>
+              <a:spcBef>
+                <a:spcPts val="0"/>
+              </a:spcBef>
+              <a:spcAft>
+                <a:spcPts val="0"/>
+              </a:spcAft>
+              <a:buClr>
+                <a:srgbClr val="000000"/>
+              </a:buClr>
+              <a:buFont typeface="Arial"/>
+              <a:defRPr sz="1400" b="0" i="0" u="none" strike="noStrike" cap="none">
+                <a:solidFill>
+                  <a:srgbClr val="000000"/>
+                </a:solidFill>
+                <a:latin typeface="Arial"/>
+                <a:ea typeface="Arial"/>
+                <a:cs typeface="Arial"/>
+                <a:sym typeface="Arial"/>
+              </a:defRPr>
+            </a:lvl1pPr>
+            <a:lvl2pPr marR="0" lvl="1" algn="l" rtl="0">
+              <a:lnSpc>
+                <a:spcPct val="100000"/>
+              </a:lnSpc>
+              <a:spcBef>
+                <a:spcPts val="0"/>
+              </a:spcBef>
+              <a:spcAft>
+                <a:spcPts val="0"/>
+              </a:spcAft>
+              <a:buClr>
+                <a:srgbClr val="000000"/>
+              </a:buClr>
+              <a:buFont typeface="Arial"/>
+              <a:defRPr sz="1400" b="0" i="0" u="none" strike="noStrike" cap="none">
+                <a:solidFill>
+                  <a:srgbClr val="000000"/>
+                </a:solidFill>
+                <a:latin typeface="Arial"/>
+                <a:ea typeface="Arial"/>
+                <a:cs typeface="Arial"/>
+                <a:sym typeface="Arial"/>
+              </a:defRPr>
+            </a:lvl2pPr>
+            <a:lvl3pPr marR="0" lvl="2" algn="l" rtl="0">
+              <a:lnSpc>
+                <a:spcPct val="100000"/>
+              </a:lnSpc>
+              <a:spcBef>
+                <a:spcPts val="0"/>
+              </a:spcBef>
+              <a:spcAft>
+                <a:spcPts val="0"/>
+              </a:spcAft>
+              <a:buClr>
+                <a:srgbClr val="000000"/>
+              </a:buClr>
+              <a:buFont typeface="Arial"/>
+              <a:defRPr sz="1400" b="0" i="0" u="none" strike="noStrike" cap="none">
+                <a:solidFill>
+                  <a:srgbClr val="000000"/>
+                </a:solidFill>
+                <a:latin typeface="Arial"/>
+                <a:ea typeface="Arial"/>
+                <a:cs typeface="Arial"/>
+                <a:sym typeface="Arial"/>
+              </a:defRPr>
+            </a:lvl3pPr>
+            <a:lvl4pPr marR="0" lvl="3" algn="l" rtl="0">
+              <a:lnSpc>
+                <a:spcPct val="100000"/>
+              </a:lnSpc>
+              <a:spcBef>
+                <a:spcPts val="0"/>
+              </a:spcBef>
+              <a:spcAft>
+                <a:spcPts val="0"/>
+              </a:spcAft>
+              <a:buClr>
+                <a:srgbClr val="000000"/>
+              </a:buClr>
+              <a:buFont typeface="Arial"/>
+              <a:defRPr sz="1400" b="0" i="0" u="none" strike="noStrike" cap="none">
+                <a:solidFill>
+                  <a:srgbClr val="000000"/>
+                </a:solidFill>
+                <a:latin typeface="Arial"/>
+                <a:ea typeface="Arial"/>
+                <a:cs typeface="Arial"/>
+                <a:sym typeface="Arial"/>
+              </a:defRPr>
+            </a:lvl4pPr>
+            <a:lvl5pPr marR="0" lvl="4" algn="l" rtl="0">
+              <a:lnSpc>
+                <a:spcPct val="100000"/>
+              </a:lnSpc>
+              <a:spcBef>
+                <a:spcPts val="0"/>
+              </a:spcBef>
+              <a:spcAft>
+                <a:spcPts val="0"/>
+              </a:spcAft>
+              <a:buClr>
+                <a:srgbClr val="000000"/>
+              </a:buClr>
+              <a:buFont typeface="Arial"/>
+              <a:defRPr sz="1400" b="0" i="0" u="none" strike="noStrike" cap="none">
+                <a:solidFill>
+                  <a:srgbClr val="000000"/>
+                </a:solidFill>
+                <a:latin typeface="Arial"/>
+                <a:ea typeface="Arial"/>
+                <a:cs typeface="Arial"/>
+                <a:sym typeface="Arial"/>
+              </a:defRPr>
+            </a:lvl5pPr>
+            <a:lvl6pPr marR="0" lvl="5" algn="l" rtl="0">
+              <a:lnSpc>
+                <a:spcPct val="100000"/>
+              </a:lnSpc>
+              <a:spcBef>
+                <a:spcPts val="0"/>
+              </a:spcBef>
+              <a:spcAft>
+                <a:spcPts val="0"/>
+              </a:spcAft>
+              <a:buClr>
+                <a:srgbClr val="000000"/>
+              </a:buClr>
+              <a:buFont typeface="Arial"/>
+              <a:defRPr sz="1400" b="0" i="0" u="none" strike="noStrike" cap="none">
+                <a:solidFill>
+                  <a:srgbClr val="000000"/>
+                </a:solidFill>
+                <a:latin typeface="Arial"/>
+                <a:ea typeface="Arial"/>
+                <a:cs typeface="Arial"/>
+                <a:sym typeface="Arial"/>
+              </a:defRPr>
+            </a:lvl6pPr>
+            <a:lvl7pPr marR="0" lvl="6" algn="l" rtl="0">
+              <a:lnSpc>
+                <a:spcPct val="100000"/>
+              </a:lnSpc>
+              <a:spcBef>
+                <a:spcPts val="0"/>
+              </a:spcBef>
+              <a:spcAft>
+                <a:spcPts val="0"/>
+              </a:spcAft>
+              <a:buClr>
+                <a:srgbClr val="000000"/>
+              </a:buClr>
+              <a:buFont typeface="Arial"/>
+              <a:defRPr sz="1400" b="0" i="0" u="none" strike="noStrike" cap="none">
+                <a:solidFill>
+                  <a:srgbClr val="000000"/>
+                </a:solidFill>
+                <a:latin typeface="Arial"/>
+                <a:ea typeface="Arial"/>
+                <a:cs typeface="Arial"/>
+                <a:sym typeface="Arial"/>
+              </a:defRPr>
+            </a:lvl7pPr>
+            <a:lvl8pPr marR="0" lvl="7" algn="l" rtl="0">
+              <a:lnSpc>
+                <a:spcPct val="100000"/>
+              </a:lnSpc>
+              <a:spcBef>
+                <a:spcPts val="0"/>
+              </a:spcBef>
+              <a:spcAft>
+                <a:spcPts val="0"/>
+              </a:spcAft>
+              <a:buClr>
+                <a:srgbClr val="000000"/>
+              </a:buClr>
+              <a:buFont typeface="Arial"/>
+              <a:defRPr sz="1400" b="0" i="0" u="none" strike="noStrike" cap="none">
+                <a:solidFill>
+                  <a:srgbClr val="000000"/>
+                </a:solidFill>
+                <a:latin typeface="Arial"/>
+                <a:ea typeface="Arial"/>
+                <a:cs typeface="Arial"/>
+                <a:sym typeface="Arial"/>
+              </a:defRPr>
+            </a:lvl8pPr>
+            <a:lvl9pPr marR="0" lvl="8" algn="l" rtl="0">
+              <a:lnSpc>
+                <a:spcPct val="100000"/>
+              </a:lnSpc>
+              <a:spcBef>
+                <a:spcPts val="0"/>
+              </a:spcBef>
+              <a:spcAft>
+                <a:spcPts val="0"/>
+              </a:spcAft>
+              <a:buClr>
+                <a:srgbClr val="000000"/>
+              </a:buClr>
+              <a:buFont typeface="Arial"/>
+              <a:defRPr sz="1400" b="0" i="0" u="none" strike="noStrike" cap="none">
+                <a:solidFill>
+                  <a:srgbClr val="000000"/>
+                </a:solidFill>
+                <a:latin typeface="Arial"/>
+                <a:ea typeface="Arial"/>
+                <a:cs typeface="Arial"/>
+                <a:sym typeface="Arial"/>
+              </a:defRPr>
+            </a:lvl9pPr>
+          </a:lstStyle>
+          <a:p>
+            <a:pPr algn="ctr">
+              <a:lnSpc>
+                <a:spcPct val="110000"/>
+              </a:lnSpc>
+              <a:spcBef>
+                <a:spcPts val="1160"/>
+              </a:spcBef>
+              <a:buSzPts val="1960"/>
+            </a:pPr>
+            <a:r>
+              <a:rPr lang="en-US" sz="2800" dirty="0">
+                <a:solidFill>
+                  <a:schemeClr val="lt1"/>
+                </a:solidFill>
+              </a:rPr>
+              <a:t>Starting an existing Notebook  should open a screen like this:</a:t>
+            </a:r>
+            <a:endParaRPr lang="en-US" dirty="0"/>
+          </a:p>
+        </p:txBody>
+      </p:sp>
+      <p:pic>
+        <p:nvPicPr>
+          <p:cNvPr id="4" name="Picture 3">
+            <a:extLst>
+              <a:ext uri="{FF2B5EF4-FFF2-40B4-BE49-F238E27FC236}">
+                <a16:creationId xmlns:a16="http://schemas.microsoft.com/office/drawing/2014/main" id="{ED394984-43BD-9C40-221F-8BC4A42E8FEC}"/>
+              </a:ext>
+            </a:extLst>
+          </p:cNvPr>
+          <p:cNvPicPr>
+            <a:picLocks noChangeAspect="1"/>
+          </p:cNvPicPr>
+          <p:nvPr/>
+        </p:nvPicPr>
+        <p:blipFill>
+          <a:blip r:embed="rId2"/>
+          <a:stretch>
+            <a:fillRect/>
+          </a:stretch>
+        </p:blipFill>
+        <p:spPr>
+          <a:xfrm>
+            <a:off x="626533" y="948531"/>
+            <a:ext cx="10938933" cy="5635712"/>
+          </a:xfrm>
+          <a:prstGeom prst="rect">
+            <a:avLst/>
+          </a:prstGeom>
+        </p:spPr>
+      </p:pic>
+      <p:sp>
+        <p:nvSpPr>
+          <p:cNvPr id="5" name="Date Placeholder 4">
+            <a:extLst>
+              <a:ext uri="{FF2B5EF4-FFF2-40B4-BE49-F238E27FC236}">
+                <a16:creationId xmlns:a16="http://schemas.microsoft.com/office/drawing/2014/main" id="{56FF9889-969F-9EA8-8533-8195F6E00570}"/>
+              </a:ext>
+            </a:extLst>
+          </p:cNvPr>
+          <p:cNvSpPr>
+            <a:spLocks noGrp="1"/>
+          </p:cNvSpPr>
+          <p:nvPr>
+            <p:ph type="dt" idx="10"/>
+          </p:nvPr>
+        </p:nvSpPr>
+        <p:spPr/>
+        <p:txBody>
+          <a:bodyPr/>
+          <a:lstStyle/>
+          <a:p>
+            <a:fld id="{E07B27A7-04CE-4749-8BBF-902D66CAE2AC}" type="datetime1">
+              <a:rPr lang="en-US" smtClean="0"/>
+              <a:t>10/20/2022</a:t>
+            </a:fld>
+            <a:endParaRPr lang="en-US"/>
+          </a:p>
+        </p:txBody>
+      </p:sp>
+      <p:sp>
+        <p:nvSpPr>
+          <p:cNvPr id="6" name="Slide Number Placeholder 5">
+            <a:extLst>
+              <a:ext uri="{FF2B5EF4-FFF2-40B4-BE49-F238E27FC236}">
+                <a16:creationId xmlns:a16="http://schemas.microsoft.com/office/drawing/2014/main" id="{A28F1D7F-E19F-0E34-6AFF-199033D43B92}"/>
+              </a:ext>
+            </a:extLst>
+          </p:cNvPr>
+          <p:cNvSpPr>
+            <a:spLocks noGrp="1"/>
+          </p:cNvSpPr>
+          <p:nvPr>
+            <p:ph type="sldNum" idx="12"/>
+          </p:nvPr>
+        </p:nvSpPr>
+        <p:spPr/>
+        <p:txBody>
+          <a:bodyPr/>
+          <a:lstStyle/>
+          <a:p>
+            <a:pPr marL="0" lvl="0" indent="0" algn="r" rtl="0">
+              <a:spcBef>
+                <a:spcPts val="0"/>
+              </a:spcBef>
+              <a:spcAft>
+                <a:spcPts val="0"/>
+              </a:spcAft>
+              <a:buNone/>
+            </a:pPr>
+            <a:fld id="{00000000-1234-1234-1234-123412341234}" type="slidenum">
+              <a:rPr lang="en-US" smtClean="0"/>
+              <a:t>7</a:t>
+            </a:fld>
+            <a:endParaRPr lang="en-US"/>
+          </a:p>
+        </p:txBody>
+      </p:sp>
+    </p:spTree>
+    <p:extLst>
+      <p:ext uri="{BB962C8B-B14F-4D97-AF65-F5344CB8AC3E}">
+        <p14:creationId xmlns:p14="http://schemas.microsoft.com/office/powerpoint/2010/main" val="3282944799"/>
+      </p:ext>
+    </p:extLst>
+  </p:cSld>
+  <p:clrMapOvr>
+    <a:masterClrMapping/>
+  </p:clrMapOvr>
+  <p:transition spd="slow">
+    <p:randomBar dir="vert"/>
+  </p:transition>
+</p:sld>
+</file>
+
+<file path=ppt/slides/slide8.xml><?xml version="1.0" encoding="utf-8"?>
+<p:sld xmlns:a="http://schemas.openxmlformats.org/drawingml/2006/main" xmlns:r="http://schemas.openxmlformats.org/officeDocument/2006/relationships" xmlns:p="http://schemas.openxmlformats.org/presentationml/2006/main">
+  <p:cSld>
+    <p:spTree>
+      <p:nvGrpSpPr>
         <p:cNvPr id="1" name="Shape 581"/>
         <p:cNvGrpSpPr/>
         <p:nvPr/>
@@ -25407,6 +26211,362 @@
           </a:ln>
         </p:spPr>
       </p:pic>
+      <p:sp>
+        <p:nvSpPr>
+          <p:cNvPr id="2" name="Google Shape;575;p32">
+            <a:extLst>
+              <a:ext uri="{FF2B5EF4-FFF2-40B4-BE49-F238E27FC236}">
+                <a16:creationId xmlns:a16="http://schemas.microsoft.com/office/drawing/2014/main" id="{9FE71FCA-2A80-2F89-ABC0-2D1361D9EB4E}"/>
+              </a:ext>
+            </a:extLst>
+          </p:cNvPr>
+          <p:cNvSpPr txBox="1">
+            <a:spLocks/>
+          </p:cNvSpPr>
+          <p:nvPr/>
+        </p:nvSpPr>
+        <p:spPr>
+          <a:xfrm>
+            <a:off x="913794" y="846667"/>
+            <a:ext cx="10364411" cy="824089"/>
+          </a:xfrm>
+          <a:prstGeom prst="rect">
+            <a:avLst/>
+          </a:prstGeom>
+          <a:noFill/>
+          <a:ln>
+            <a:noFill/>
+          </a:ln>
+          <a:effectLst>
+            <a:outerShdw blurRad="25400">
+              <a:srgbClr val="000000">
+                <a:alpha val="45882"/>
+              </a:srgbClr>
+            </a:outerShdw>
+          </a:effectLst>
+        </p:spPr>
+        <p:txBody>
+          <a:bodyPr spcFirstLastPara="1" wrap="square" lIns="91425" tIns="45700" rIns="91425" bIns="45700" anchor="t" anchorCtr="0">
+            <a:normAutofit/>
+          </a:bodyPr>
+          <a:lstStyle>
+            <a:defPPr marR="0" lvl="0" algn="l" rtl="0">
+              <a:lnSpc>
+                <a:spcPct val="100000"/>
+              </a:lnSpc>
+              <a:spcBef>
+                <a:spcPts val="0"/>
+              </a:spcBef>
+              <a:spcAft>
+                <a:spcPts val="0"/>
+              </a:spcAft>
+            </a:defPPr>
+            <a:lvl1pPr marR="0" lvl="0" algn="l" rtl="0">
+              <a:lnSpc>
+                <a:spcPct val="100000"/>
+              </a:lnSpc>
+              <a:spcBef>
+                <a:spcPts val="0"/>
+              </a:spcBef>
+              <a:spcAft>
+                <a:spcPts val="0"/>
+              </a:spcAft>
+              <a:buClr>
+                <a:srgbClr val="000000"/>
+              </a:buClr>
+              <a:buFont typeface="Arial"/>
+              <a:defRPr sz="1400" b="0" i="0" u="none" strike="noStrike" cap="none">
+                <a:solidFill>
+                  <a:srgbClr val="000000"/>
+                </a:solidFill>
+                <a:latin typeface="Arial"/>
+                <a:ea typeface="Arial"/>
+                <a:cs typeface="Arial"/>
+                <a:sym typeface="Arial"/>
+              </a:defRPr>
+            </a:lvl1pPr>
+            <a:lvl2pPr marR="0" lvl="1" algn="l" rtl="0">
+              <a:lnSpc>
+                <a:spcPct val="100000"/>
+              </a:lnSpc>
+              <a:spcBef>
+                <a:spcPts val="0"/>
+              </a:spcBef>
+              <a:spcAft>
+                <a:spcPts val="0"/>
+              </a:spcAft>
+              <a:buClr>
+                <a:srgbClr val="000000"/>
+              </a:buClr>
+              <a:buFont typeface="Arial"/>
+              <a:defRPr sz="1400" b="0" i="0" u="none" strike="noStrike" cap="none">
+                <a:solidFill>
+                  <a:srgbClr val="000000"/>
+                </a:solidFill>
+                <a:latin typeface="Arial"/>
+                <a:ea typeface="Arial"/>
+                <a:cs typeface="Arial"/>
+                <a:sym typeface="Arial"/>
+              </a:defRPr>
+            </a:lvl2pPr>
+            <a:lvl3pPr marR="0" lvl="2" algn="l" rtl="0">
+              <a:lnSpc>
+                <a:spcPct val="100000"/>
+              </a:lnSpc>
+              <a:spcBef>
+                <a:spcPts val="0"/>
+              </a:spcBef>
+              <a:spcAft>
+                <a:spcPts val="0"/>
+              </a:spcAft>
+              <a:buClr>
+                <a:srgbClr val="000000"/>
+              </a:buClr>
+              <a:buFont typeface="Arial"/>
+              <a:defRPr sz="1400" b="0" i="0" u="none" strike="noStrike" cap="none">
+                <a:solidFill>
+                  <a:srgbClr val="000000"/>
+                </a:solidFill>
+                <a:latin typeface="Arial"/>
+                <a:ea typeface="Arial"/>
+                <a:cs typeface="Arial"/>
+                <a:sym typeface="Arial"/>
+              </a:defRPr>
+            </a:lvl3pPr>
+            <a:lvl4pPr marR="0" lvl="3" algn="l" rtl="0">
+              <a:lnSpc>
+                <a:spcPct val="100000"/>
+              </a:lnSpc>
+              <a:spcBef>
+                <a:spcPts val="0"/>
+              </a:spcBef>
+              <a:spcAft>
+                <a:spcPts val="0"/>
+              </a:spcAft>
+              <a:buClr>
+                <a:srgbClr val="000000"/>
+              </a:buClr>
+              <a:buFont typeface="Arial"/>
+              <a:defRPr sz="1400" b="0" i="0" u="none" strike="noStrike" cap="none">
+                <a:solidFill>
+                  <a:srgbClr val="000000"/>
+                </a:solidFill>
+                <a:latin typeface="Arial"/>
+                <a:ea typeface="Arial"/>
+                <a:cs typeface="Arial"/>
+                <a:sym typeface="Arial"/>
+              </a:defRPr>
+            </a:lvl4pPr>
+            <a:lvl5pPr marR="0" lvl="4" algn="l" rtl="0">
+              <a:lnSpc>
+                <a:spcPct val="100000"/>
+              </a:lnSpc>
+              <a:spcBef>
+                <a:spcPts val="0"/>
+              </a:spcBef>
+              <a:spcAft>
+                <a:spcPts val="0"/>
+              </a:spcAft>
+              <a:buClr>
+                <a:srgbClr val="000000"/>
+              </a:buClr>
+              <a:buFont typeface="Arial"/>
+              <a:defRPr sz="1400" b="0" i="0" u="none" strike="noStrike" cap="none">
+                <a:solidFill>
+                  <a:srgbClr val="000000"/>
+                </a:solidFill>
+                <a:latin typeface="Arial"/>
+                <a:ea typeface="Arial"/>
+                <a:cs typeface="Arial"/>
+                <a:sym typeface="Arial"/>
+              </a:defRPr>
+            </a:lvl5pPr>
+            <a:lvl6pPr marR="0" lvl="5" algn="l" rtl="0">
+              <a:lnSpc>
+                <a:spcPct val="100000"/>
+              </a:lnSpc>
+              <a:spcBef>
+                <a:spcPts val="0"/>
+              </a:spcBef>
+              <a:spcAft>
+                <a:spcPts val="0"/>
+              </a:spcAft>
+              <a:buClr>
+                <a:srgbClr val="000000"/>
+              </a:buClr>
+              <a:buFont typeface="Arial"/>
+              <a:defRPr sz="1400" b="0" i="0" u="none" strike="noStrike" cap="none">
+                <a:solidFill>
+                  <a:srgbClr val="000000"/>
+                </a:solidFill>
+                <a:latin typeface="Arial"/>
+                <a:ea typeface="Arial"/>
+                <a:cs typeface="Arial"/>
+                <a:sym typeface="Arial"/>
+              </a:defRPr>
+            </a:lvl6pPr>
+            <a:lvl7pPr marR="0" lvl="6" algn="l" rtl="0">
+              <a:lnSpc>
+                <a:spcPct val="100000"/>
+              </a:lnSpc>
+              <a:spcBef>
+                <a:spcPts val="0"/>
+              </a:spcBef>
+              <a:spcAft>
+                <a:spcPts val="0"/>
+              </a:spcAft>
+              <a:buClr>
+                <a:srgbClr val="000000"/>
+              </a:buClr>
+              <a:buFont typeface="Arial"/>
+              <a:defRPr sz="1400" b="0" i="0" u="none" strike="noStrike" cap="none">
+                <a:solidFill>
+                  <a:srgbClr val="000000"/>
+                </a:solidFill>
+                <a:latin typeface="Arial"/>
+                <a:ea typeface="Arial"/>
+                <a:cs typeface="Arial"/>
+                <a:sym typeface="Arial"/>
+              </a:defRPr>
+            </a:lvl7pPr>
+            <a:lvl8pPr marR="0" lvl="7" algn="l" rtl="0">
+              <a:lnSpc>
+                <a:spcPct val="100000"/>
+              </a:lnSpc>
+              <a:spcBef>
+                <a:spcPts val="0"/>
+              </a:spcBef>
+              <a:spcAft>
+                <a:spcPts val="0"/>
+              </a:spcAft>
+              <a:buClr>
+                <a:srgbClr val="000000"/>
+              </a:buClr>
+              <a:buFont typeface="Arial"/>
+              <a:defRPr sz="1400" b="0" i="0" u="none" strike="noStrike" cap="none">
+                <a:solidFill>
+                  <a:srgbClr val="000000"/>
+                </a:solidFill>
+                <a:latin typeface="Arial"/>
+                <a:ea typeface="Arial"/>
+                <a:cs typeface="Arial"/>
+                <a:sym typeface="Arial"/>
+              </a:defRPr>
+            </a:lvl8pPr>
+            <a:lvl9pPr marR="0" lvl="8" algn="l" rtl="0">
+              <a:lnSpc>
+                <a:spcPct val="100000"/>
+              </a:lnSpc>
+              <a:spcBef>
+                <a:spcPts val="0"/>
+              </a:spcBef>
+              <a:spcAft>
+                <a:spcPts val="0"/>
+              </a:spcAft>
+              <a:buClr>
+                <a:srgbClr val="000000"/>
+              </a:buClr>
+              <a:buFont typeface="Arial"/>
+              <a:defRPr sz="1400" b="0" i="0" u="none" strike="noStrike" cap="none">
+                <a:solidFill>
+                  <a:srgbClr val="000000"/>
+                </a:solidFill>
+                <a:latin typeface="Arial"/>
+                <a:ea typeface="Arial"/>
+                <a:cs typeface="Arial"/>
+                <a:sym typeface="Arial"/>
+              </a:defRPr>
+            </a:lvl9pPr>
+          </a:lstStyle>
+          <a:p>
+            <a:pPr algn="ctr">
+              <a:lnSpc>
+                <a:spcPct val="110000"/>
+              </a:lnSpc>
+              <a:spcBef>
+                <a:spcPts val="1160"/>
+              </a:spcBef>
+              <a:buSzPts val="1960"/>
+            </a:pPr>
+            <a:r>
+              <a:rPr lang="en-US" sz="2800" dirty="0">
+                <a:solidFill>
+                  <a:schemeClr val="lt1"/>
+                </a:solidFill>
+              </a:rPr>
+              <a:t>Starting a new kernel should open  a screen like this:</a:t>
+            </a:r>
+            <a:endParaRPr lang="en-US" dirty="0"/>
+          </a:p>
+        </p:txBody>
+      </p:sp>
+      <p:sp>
+        <p:nvSpPr>
+          <p:cNvPr id="3" name="Date Placeholder 2">
+            <a:extLst>
+              <a:ext uri="{FF2B5EF4-FFF2-40B4-BE49-F238E27FC236}">
+                <a16:creationId xmlns:a16="http://schemas.microsoft.com/office/drawing/2014/main" id="{E9C7225E-8E00-CD1C-2814-3A4632D1DB03}"/>
+              </a:ext>
+            </a:extLst>
+          </p:cNvPr>
+          <p:cNvSpPr>
+            <a:spLocks noGrp="1"/>
+          </p:cNvSpPr>
+          <p:nvPr>
+            <p:ph type="dt" idx="10"/>
+          </p:nvPr>
+        </p:nvSpPr>
+        <p:spPr/>
+        <p:txBody>
+          <a:bodyPr/>
+          <a:lstStyle/>
+          <a:p>
+            <a:fld id="{4F1CC05D-CECB-4B1D-963F-F30E2B295534}" type="datetime1">
+              <a:rPr lang="en-US" smtClean="0"/>
+              <a:t>10/20/2022</a:t>
+            </a:fld>
+            <a:endParaRPr lang="en-US"/>
+          </a:p>
+        </p:txBody>
+      </p:sp>
+      <p:sp>
+        <p:nvSpPr>
+          <p:cNvPr id="4" name="Slide Number Placeholder 3">
+            <a:extLst>
+              <a:ext uri="{FF2B5EF4-FFF2-40B4-BE49-F238E27FC236}">
+                <a16:creationId xmlns:a16="http://schemas.microsoft.com/office/drawing/2014/main" id="{F10FDBDC-434B-3BB4-5383-404C2C6CF0D5}"/>
+              </a:ext>
+            </a:extLst>
+          </p:cNvPr>
+          <p:cNvSpPr>
+            <a:spLocks noGrp="1"/>
+          </p:cNvSpPr>
+          <p:nvPr>
+            <p:ph type="sldNum" idx="12"/>
+          </p:nvPr>
+        </p:nvSpPr>
+        <p:spPr/>
+        <p:txBody>
+          <a:bodyPr/>
+          <a:lstStyle/>
+          <a:p>
+            <a:pPr marL="0" lvl="0" indent="0" algn="r" rtl="0">
+              <a:spcBef>
+                <a:spcPts val="0"/>
+              </a:spcBef>
+              <a:spcAft>
+                <a:spcPts val="0"/>
+              </a:spcAft>
+              <a:buNone/>
+            </a:pPr>
+            <a:fld id="{00000000-1234-1234-1234-123412341234}" type="slidenum">
+              <a:rPr lang="en-US" smtClean="0"/>
+              <a:t>8</a:t>
+            </a:fld>
+            <a:endParaRPr lang="en-US"/>
+          </a:p>
+        </p:txBody>
+      </p:sp>
     </p:spTree>
   </p:cSld>
   <p:clrMapOvr>
@@ -25501,7 +26661,7 @@
 </p:sld>
 </file>
 
-<file path=ppt/slides/slide8.xml><?xml version="1.0" encoding="utf-8"?>
+<file path=ppt/slides/slide9.xml><?xml version="1.0" encoding="utf-8"?>
 <p:sld xmlns:a="http://schemas.openxmlformats.org/drawingml/2006/main" xmlns:r="http://schemas.openxmlformats.org/officeDocument/2006/relationships" xmlns:p="http://schemas.openxmlformats.org/presentationml/2006/main">
   <p:cSld>
     <p:spTree>
@@ -25722,70 +26882,74 @@
           </a:p>
         </p:txBody>
       </p:sp>
-    </p:spTree>
-  </p:cSld>
-  <p:clrMapOvr>
-    <a:masterClrMapping/>
-  </p:clrMapOvr>
-  <p:transition spd="slow">
-    <p:randomBar dir="vert"/>
-  </p:transition>
-</p:sld>
-</file>
-
-<file path=ppt/slides/slide9.xml><?xml version="1.0" encoding="utf-8"?>
-<p:sld xmlns:a="http://schemas.openxmlformats.org/drawingml/2006/main" xmlns:r="http://schemas.openxmlformats.org/officeDocument/2006/relationships" xmlns:p="http://schemas.openxmlformats.org/presentationml/2006/main">
-  <p:cSld>
-    <p:spTree>
-      <p:nvGrpSpPr>
-        <p:cNvPr id="1" name=""/>
-        <p:cNvGrpSpPr/>
-        <p:nvPr/>
-      </p:nvGrpSpPr>
-      <p:grpSpPr>
-        <a:xfrm>
-          <a:off x="0" y="0"/>
-          <a:ext cx="0" cy="0"/>
-          <a:chOff x="0" y="0"/>
-          <a:chExt cx="0" cy="0"/>
-        </a:xfrm>
-      </p:grpSpPr>
-      <p:pic>
-        <p:nvPicPr>
-          <p:cNvPr id="3" name="Picture 2">
+      <p:sp>
+        <p:nvSpPr>
+          <p:cNvPr id="3" name="Date Placeholder 2">
             <a:extLst>
               <a:ext uri="{FF2B5EF4-FFF2-40B4-BE49-F238E27FC236}">
-                <a16:creationId xmlns:a16="http://schemas.microsoft.com/office/drawing/2014/main" id="{1404AA77-F071-0579-BC20-2C71987C9163}"/>
+                <a16:creationId xmlns:a16="http://schemas.microsoft.com/office/drawing/2014/main" id="{F1C70C1F-46AB-BE9F-06AB-58C56DE5D1DA}"/>
               </a:ext>
             </a:extLst>
           </p:cNvPr>
-          <p:cNvPicPr>
-            <a:picLocks noChangeAspect="1"/>
-          </p:cNvPicPr>
-          <p:nvPr/>
-        </p:nvPicPr>
-        <p:blipFill>
-          <a:blip r:embed="rId2"/>
-          <a:stretch>
-            <a:fillRect/>
-          </a:stretch>
-        </p:blipFill>
-        <p:spPr>
-          <a:xfrm>
-            <a:off x="282222" y="89259"/>
-            <a:ext cx="11555968" cy="6717942"/>
-          </a:xfrm>
-          <a:prstGeom prst="rect">
-            <a:avLst/>
-          </a:prstGeom>
-        </p:spPr>
-      </p:pic>
+          <p:cNvSpPr>
+            <a:spLocks noGrp="1"/>
+          </p:cNvSpPr>
+          <p:nvPr>
+            <p:ph type="dt" idx="10"/>
+          </p:nvPr>
+        </p:nvSpPr>
+        <p:spPr/>
+        <p:txBody>
+          <a:bodyPr/>
+          <a:lstStyle/>
+          <a:p>
+            <a:fld id="{80325104-2A48-4D6B-AEFC-F4D751FBE499}" type="datetime1">
+              <a:rPr lang="en-US" smtClean="0"/>
+              <a:t>10/20/2022</a:t>
+            </a:fld>
+            <a:endParaRPr lang="en-US"/>
+          </a:p>
+        </p:txBody>
+      </p:sp>
+      <p:sp>
+        <p:nvSpPr>
+          <p:cNvPr id="4" name="Slide Number Placeholder 3">
+            <a:extLst>
+              <a:ext uri="{FF2B5EF4-FFF2-40B4-BE49-F238E27FC236}">
+                <a16:creationId xmlns:a16="http://schemas.microsoft.com/office/drawing/2014/main" id="{B38B5A6E-6355-833B-ED15-33D6E9BA21DA}"/>
+              </a:ext>
+            </a:extLst>
+          </p:cNvPr>
+          <p:cNvSpPr>
+            <a:spLocks noGrp="1"/>
+          </p:cNvSpPr>
+          <p:nvPr>
+            <p:ph type="sldNum" idx="12"/>
+          </p:nvPr>
+        </p:nvSpPr>
+        <p:spPr/>
+        <p:txBody>
+          <a:bodyPr/>
+          <a:lstStyle/>
+          <a:p>
+            <a:pPr marL="0" lvl="0" indent="0" algn="r" rtl="0">
+              <a:spcBef>
+                <a:spcPts val="0"/>
+              </a:spcBef>
+              <a:spcAft>
+                <a:spcPts val="0"/>
+              </a:spcAft>
+              <a:buNone/>
+            </a:pPr>
+            <a:fld id="{00000000-1234-1234-1234-123412341234}" type="slidenum">
+              <a:rPr lang="en-US" smtClean="0"/>
+              <a:t>9</a:t>
+            </a:fld>
+            <a:endParaRPr lang="en-US"/>
+          </a:p>
+        </p:txBody>
+      </p:sp>
     </p:spTree>
-    <p:extLst>
-      <p:ext uri="{BB962C8B-B14F-4D97-AF65-F5344CB8AC3E}">
-        <p14:creationId xmlns:p14="http://schemas.microsoft.com/office/powerpoint/2010/main" val="2558335153"/>
-      </p:ext>
-    </p:extLst>
   </p:cSld>
   <p:clrMapOvr>
     <a:masterClrMapping/>

--- a/Section05/5.1.2-Python_JupyterNotebook.pptx
+++ b/Section05/5.1.2-Python_JupyterNotebook.pptx
@@ -266,7 +266,7 @@
       <p15:sldGuideLst xmlns:p15="http://schemas.microsoft.com/office/powerpoint/2012/main"/>
     </p:ext>
     <p:ext uri="http://customooxmlschemas.google.com/">
-      <go:slidesCustomData xmlns:go="http://customooxmlschemas.google.com/" xmlns:ahyp="http://schemas.microsoft.com/office/drawing/2018/hyperlinkcolor" xmlns:p15="http://schemas.microsoft.com/office/powerpoint/2012/main" xmlns:p14="http://schemas.microsoft.com/office/powerpoint/2010/main" xmlns:com="http://schemas.openxmlformats.org/drawingml/2006/compatibility" xmlns:pvml="urn:schemas-microsoft-com:office:powerpoint" xmlns:v="urn:schemas-microsoft-com:vml" xmlns:o="urn:schemas-microsoft-com:office:office" xmlns:dgm="http://schemas.openxmlformats.org/drawingml/2006/diagram" xmlns:c="http://schemas.openxmlformats.org/drawingml/2006/chart" xmlns:mv="urn:schemas-microsoft-com:mac:vml" xmlns:mc="http://schemas.openxmlformats.org/markup-compatibility/2006" xmlns="" r:id="rId78" roundtripDataSignature="AMtx7mg1jRVB5ptXq1eZYLCKV2hfsmrwvg=="/>
+      <go:slidesCustomData xmlns="" xmlns:mc="http://schemas.openxmlformats.org/markup-compatibility/2006" xmlns:mv="urn:schemas-microsoft-com:mac:vml" xmlns:c="http://schemas.openxmlformats.org/drawingml/2006/chart" xmlns:dgm="http://schemas.openxmlformats.org/drawingml/2006/diagram" xmlns:o="urn:schemas-microsoft-com:office:office" xmlns:v="urn:schemas-microsoft-com:vml" xmlns:pvml="urn:schemas-microsoft-com:office:powerpoint" xmlns:com="http://schemas.openxmlformats.org/drawingml/2006/compatibility" xmlns:p14="http://schemas.microsoft.com/office/powerpoint/2010/main" xmlns:p15="http://schemas.microsoft.com/office/powerpoint/2012/main" xmlns:ahyp="http://schemas.microsoft.com/office/drawing/2018/hyperlinkcolor" xmlns:go="http://customooxmlschemas.google.com/" r:id="rId78" roundtripDataSignature="AMtx7mg1jRVB5ptXq1eZYLCKV2hfsmrwvg=="/>
     </p:ext>
   </p:extLst>
 </p:presentation>
@@ -2099,9 +2099,9 @@
             </a:lvl9pPr>
           </a:lstStyle>
           <a:p>
-            <a:fld id="{3E57FF13-4CD7-4839-AE40-27E27F5F95DF}" type="datetime1">
+            <a:fld id="{D15BF954-7EDD-48F1-B8AD-AB62666F3752}" type="datetime1">
               <a:rPr lang="en-US" smtClean="0"/>
-              <a:t>10/20/2022</a:t>
+              <a:t>10/23/2022</a:t>
             </a:fld>
             <a:endParaRPr/>
           </a:p>
@@ -3703,9 +3703,9 @@
             </a:lvl9pPr>
           </a:lstStyle>
           <a:p>
-            <a:fld id="{16370FA4-B4E2-4A34-A0B8-95E77FBF37AE}" type="datetime1">
+            <a:fld id="{6E2035AC-6CBD-4622-B3A3-C494386CCBB2}" type="datetime1">
               <a:rPr lang="en-US" smtClean="0"/>
-              <a:t>10/20/2022</a:t>
+              <a:t>10/23/2022</a:t>
             </a:fld>
             <a:endParaRPr/>
           </a:p>
@@ -4438,9 +4438,9 @@
             </a:lvl9pPr>
           </a:lstStyle>
           <a:p>
-            <a:fld id="{01503F12-D364-4FBA-832B-C9B1572720E8}" type="datetime1">
+            <a:fld id="{4ADFED11-FD94-41BC-A3B3-AC2E6F0C1991}" type="datetime1">
               <a:rPr lang="en-US" smtClean="0"/>
-              <a:t>10/20/2022</a:t>
+              <a:t>10/23/2022</a:t>
             </a:fld>
             <a:endParaRPr/>
           </a:p>
@@ -5747,9 +5747,9 @@
             </a:lvl9pPr>
           </a:lstStyle>
           <a:p>
-            <a:fld id="{B056E874-EE2E-48B8-B70D-91C433BE6556}" type="datetime1">
+            <a:fld id="{3F26E3F9-F3C4-4976-AD31-E684AA9FEF4C}" type="datetime1">
               <a:rPr lang="en-US" smtClean="0"/>
-              <a:t>10/20/2022</a:t>
+              <a:t>10/23/2022</a:t>
             </a:fld>
             <a:endParaRPr/>
           </a:p>
@@ -6495,9 +6495,9 @@
             </a:lvl9pPr>
           </a:lstStyle>
           <a:p>
-            <a:fld id="{1C29956C-A786-466D-805F-A507B6B9F748}" type="datetime1">
+            <a:fld id="{393620FD-BDFB-4D3E-BA88-BC3983848DBD}" type="datetime1">
               <a:rPr lang="en-US" smtClean="0"/>
-              <a:t>10/20/2022</a:t>
+              <a:t>10/23/2022</a:t>
             </a:fld>
             <a:endParaRPr/>
           </a:p>
@@ -7280,9 +7280,9 @@
             </a:lvl9pPr>
           </a:lstStyle>
           <a:p>
-            <a:fld id="{5C15A68F-21C1-4A32-8954-10DC6A527D14}" type="datetime1">
+            <a:fld id="{974E5FAE-BEC7-4340-A2EE-E3A1AB05916F}" type="datetime1">
               <a:rPr lang="en-US" smtClean="0"/>
-              <a:t>10/20/2022</a:t>
+              <a:t>10/23/2022</a:t>
             </a:fld>
             <a:endParaRPr/>
           </a:p>
@@ -8215,9 +8215,9 @@
             </a:lvl9pPr>
           </a:lstStyle>
           <a:p>
-            <a:fld id="{CC5C7421-2501-4FBB-B2E8-8DB10FB64C48}" type="datetime1">
+            <a:fld id="{17955EFC-90C3-46DB-85E2-C267583A0FED}" type="datetime1">
               <a:rPr lang="en-US" smtClean="0"/>
-              <a:t>10/20/2022</a:t>
+              <a:t>10/23/2022</a:t>
             </a:fld>
             <a:endParaRPr/>
           </a:p>
@@ -8776,9 +8776,9 @@
             </a:lvl9pPr>
           </a:lstStyle>
           <a:p>
-            <a:fld id="{EF5F16DE-6F3B-4044-A1BA-64CA9D80E922}" type="datetime1">
+            <a:fld id="{02D540FD-09D5-4B50-A3BD-B5A7C073190D}" type="datetime1">
               <a:rPr lang="en-US" smtClean="0"/>
-              <a:t>10/20/2022</a:t>
+              <a:t>10/23/2022</a:t>
             </a:fld>
             <a:endParaRPr/>
           </a:p>
@@ -9198,9 +9198,9 @@
             </a:lvl9pPr>
           </a:lstStyle>
           <a:p>
-            <a:fld id="{094749D8-A7C9-44F8-A6B3-834ED921B27A}" type="datetime1">
+            <a:fld id="{3566BDF9-0484-466D-AAFC-78C5F073D06A}" type="datetime1">
               <a:rPr lang="en-US" smtClean="0"/>
-              <a:t>10/20/2022</a:t>
+              <a:t>10/23/2022</a:t>
             </a:fld>
             <a:endParaRPr/>
           </a:p>
@@ -10134,9 +10134,9 @@
             </a:lvl9pPr>
           </a:lstStyle>
           <a:p>
-            <a:fld id="{3A884884-A9F3-4EF4-8353-570EF2ECB6BD}" type="datetime1">
+            <a:fld id="{B4158A34-F161-4B68-AE1E-325B66E85ACD}" type="datetime1">
               <a:rPr lang="en-US" smtClean="0"/>
-              <a:t>10/20/2022</a:t>
+              <a:t>10/23/2022</a:t>
             </a:fld>
             <a:endParaRPr/>
           </a:p>
@@ -10907,9 +10907,9 @@
             </a:lvl9pPr>
           </a:lstStyle>
           <a:p>
-            <a:fld id="{A29935DE-3F02-4AE7-B4EC-1FCDFAF0B1DB}" type="datetime1">
+            <a:fld id="{59A3ABFA-92CD-4612-AFF9-B476C36316DF}" type="datetime1">
               <a:rPr lang="en-US" smtClean="0"/>
-              <a:t>10/20/2022</a:t>
+              <a:t>10/23/2022</a:t>
             </a:fld>
             <a:endParaRPr/>
           </a:p>
@@ -12102,9 +12102,9 @@
             </a:lvl9pPr>
           </a:lstStyle>
           <a:p>
-            <a:fld id="{02AC9F35-33A0-437A-A507-E1202CE113CA}" type="datetime1">
+            <a:fld id="{7C952A2F-8ACF-4492-83F3-66DC7827CB79}" type="datetime1">
               <a:rPr lang="en-US" smtClean="0"/>
-              <a:t>10/20/2022</a:t>
+              <a:t>10/23/2022</a:t>
             </a:fld>
             <a:endParaRPr/>
           </a:p>
@@ -12836,9 +12836,9 @@
             </a:lvl9pPr>
           </a:lstStyle>
           <a:p>
-            <a:fld id="{C9FD63F9-B968-4348-BB50-0FC786B06E4F}" type="datetime1">
+            <a:fld id="{E88F3706-0534-4806-B7C7-F6529E3207F7}" type="datetime1">
               <a:rPr lang="en-US" smtClean="0"/>
-              <a:t>10/20/2022</a:t>
+              <a:t>10/23/2022</a:t>
             </a:fld>
             <a:endParaRPr/>
           </a:p>
@@ -13584,9 +13584,9 @@
             </a:lvl9pPr>
           </a:lstStyle>
           <a:p>
-            <a:fld id="{45F7B82D-AB66-4897-B83A-483BEF9F0E88}" type="datetime1">
+            <a:fld id="{F308BED5-D60A-410A-AAC7-DDF032446C73}" type="datetime1">
               <a:rPr lang="en-US" smtClean="0"/>
-              <a:t>10/20/2022</a:t>
+              <a:t>10/23/2022</a:t>
             </a:fld>
             <a:endParaRPr/>
           </a:p>
@@ -14006,9 +14006,9 @@
             </a:lvl9pPr>
           </a:lstStyle>
           <a:p>
-            <a:fld id="{71DFA777-21E1-410B-A631-73D5AF0F83DD}" type="datetime1">
+            <a:fld id="{16169C2E-D3A5-4BD4-8029-5FD398367A88}" type="datetime1">
               <a:rPr lang="en-US" smtClean="0"/>
-              <a:t>10/20/2022</a:t>
+              <a:t>10/23/2022</a:t>
             </a:fld>
             <a:endParaRPr/>
           </a:p>
@@ -14847,9 +14847,9 @@
             </a:lvl9pPr>
           </a:lstStyle>
           <a:p>
-            <a:fld id="{4DAB5432-6A76-4413-A8B1-026BA6E25726}" type="datetime1">
+            <a:fld id="{B94E4269-EA10-47AC-92DE-95EC26F56A07}" type="datetime1">
               <a:rPr lang="en-US" smtClean="0"/>
-              <a:t>10/20/2022</a:t>
+              <a:t>10/23/2022</a:t>
             </a:fld>
             <a:endParaRPr/>
           </a:p>
@@ -15581,9 +15581,9 @@
             </a:lvl9pPr>
           </a:lstStyle>
           <a:p>
-            <a:fld id="{90C7A1BD-EE2F-445F-BA4D-6C8C74A47417}" type="datetime1">
+            <a:fld id="{C82E8012-A8A0-4AA4-B626-13E3BCF4A313}" type="datetime1">
               <a:rPr lang="en-US" smtClean="0"/>
-              <a:t>10/20/2022</a:t>
+              <a:t>10/23/2022</a:t>
             </a:fld>
             <a:endParaRPr/>
           </a:p>
@@ -16337,9 +16337,9 @@
             </a:lvl9pPr>
           </a:lstStyle>
           <a:p>
-            <a:fld id="{00DDC58B-C7B4-4F1A-B3F4-825394D538DF}" type="datetime1">
+            <a:fld id="{93A5D87B-B579-4F72-A0FE-6EEAE56236A8}" type="datetime1">
               <a:rPr lang="en-US" smtClean="0"/>
-              <a:t>10/20/2022</a:t>
+              <a:t>10/23/2022</a:t>
             </a:fld>
             <a:endParaRPr/>
           </a:p>
@@ -17035,9 +17035,9 @@
             </a:lvl9pPr>
           </a:lstStyle>
           <a:p>
-            <a:fld id="{4B1B938E-26BE-4009-8DCB-8BAE6415B027}" type="datetime1">
+            <a:fld id="{18A77904-CA0D-4777-BC48-9FC8B6CB7A53}" type="datetime1">
               <a:rPr lang="en-US" smtClean="0"/>
-              <a:t>10/20/2022</a:t>
+              <a:t>10/23/2022</a:t>
             </a:fld>
             <a:endParaRPr/>
           </a:p>
@@ -17876,9 +17876,9 @@
             </a:lvl9pPr>
           </a:lstStyle>
           <a:p>
-            <a:fld id="{F9F93962-3C76-4B4C-A5C8-622B9FA63F10}" type="datetime1">
+            <a:fld id="{E8DC021D-53FB-47E1-B026-C7664125019F}" type="datetime1">
               <a:rPr lang="en-US" smtClean="0"/>
-              <a:t>10/20/2022</a:t>
+              <a:t>10/23/2022</a:t>
             </a:fld>
             <a:endParaRPr/>
           </a:p>
@@ -18684,9 +18684,9 @@
             </a:lvl9pPr>
           </a:lstStyle>
           <a:p>
-            <a:fld id="{6AF4DF96-653E-4A08-9AD7-6D9B9859A210}" type="datetime1">
+            <a:fld id="{1FE02C17-0C96-4A52-89DA-AB77B20D069B}" type="datetime1">
               <a:rPr lang="en-US" smtClean="0"/>
-              <a:t>10/20/2022</a:t>
+              <a:t>10/23/2022</a:t>
             </a:fld>
             <a:endParaRPr/>
           </a:p>
@@ -19615,9 +19615,9 @@
             </a:lvl9pPr>
           </a:lstStyle>
           <a:p>
-            <a:fld id="{3B5F5EB7-BEE4-46E6-B392-A101D57AAB8D}" type="datetime1">
+            <a:fld id="{03BF644B-E410-462A-9B35-BDE3BD9D2152}" type="datetime1">
               <a:rPr lang="en-US" smtClean="0"/>
-              <a:t>10/20/2022</a:t>
+              <a:t>10/23/2022</a:t>
             </a:fld>
             <a:endParaRPr/>
           </a:p>
@@ -21363,9 +21363,9 @@
             </a:lvl9pPr>
           </a:lstStyle>
           <a:p>
-            <a:fld id="{B5CDFB69-76B9-410D-BAFA-E88B1AA02BDB}" type="datetime1">
+            <a:fld id="{DA3CA6AF-33A3-42D0-9717-0DDFECD8E0C4}" type="datetime1">
               <a:rPr lang="en-US" smtClean="0"/>
-              <a:t>10/20/2022</a:t>
+              <a:t>10/23/2022</a:t>
             </a:fld>
             <a:endParaRPr/>
           </a:p>
@@ -22732,9 +22732,9 @@
           <a:bodyPr/>
           <a:lstStyle/>
           <a:p>
-            <a:fld id="{C198046E-7C4D-4F2A-AD3D-8D60E6578583}" type="datetime1">
+            <a:fld id="{E53DF021-076C-4CF1-BCE2-796505D2A672}" type="datetime1">
               <a:rPr lang="en-US" smtClean="0"/>
-              <a:t>10/20/2022</a:t>
+              <a:t>10/23/2022</a:t>
             </a:fld>
             <a:endParaRPr lang="en-US"/>
           </a:p>
@@ -22823,8 +22823,8 @@
         </p:nvSpPr>
         <p:spPr>
           <a:xfrm>
-            <a:off x="609600" y="1411112"/>
-            <a:ext cx="11006667" cy="5294488"/>
+            <a:off x="0" y="1071386"/>
+            <a:ext cx="12192000" cy="5786614"/>
           </a:xfrm>
           <a:prstGeom prst="rect">
             <a:avLst/>
@@ -22843,7 +22843,7 @@
         </p:spPr>
         <p:txBody>
           <a:bodyPr spcFirstLastPara="1" wrap="square" lIns="91425" tIns="45700" rIns="91425" bIns="45700" anchor="ctr" anchorCtr="0">
-            <a:normAutofit fontScale="90000"/>
+            <a:noAutofit/>
           </a:bodyPr>
           <a:lstStyle/>
           <a:p>
@@ -22865,134 +22865,169 @@
               <a:buNone/>
             </a:pPr>
             <a:r>
-              <a:rPr lang="en-US" sz="3600" b="1" dirty="0">
+              <a:rPr lang="en-US" sz="2800" b="1" dirty="0">
                 <a:latin typeface="+mn-lt"/>
               </a:rPr>
               <a:t>The </a:t>
             </a:r>
             <a:r>
-              <a:rPr lang="en-US" sz="3600" b="1" dirty="0" err="1">
+              <a:rPr lang="en-US" sz="2800" b="1" dirty="0" err="1">
                 <a:latin typeface="+mn-lt"/>
               </a:rPr>
               <a:t>Jupyter</a:t>
             </a:r>
             <a:r>
-              <a:rPr lang="en-US" sz="3600" b="1" dirty="0">
+              <a:rPr lang="en-US" sz="2800" b="1" dirty="0">
                 <a:latin typeface="+mn-lt"/>
               </a:rPr>
               <a:t> Notebooks Project</a:t>
             </a:r>
             <a:br>
-              <a:rPr lang="en-US" sz="3600" dirty="0">
+              <a:rPr lang="en-US" sz="2800" dirty="0">
                 <a:latin typeface="+mn-lt"/>
                 <a:hlinkClick r:id="rId3"/>
               </a:rPr>
             </a:br>
             <a:r>
-              <a:rPr lang="en-US" sz="3600" dirty="0">
+              <a:rPr lang="en-US" sz="2800" dirty="0">
                 <a:latin typeface="+mn-lt"/>
                 <a:hlinkClick r:id="rId3"/>
               </a:rPr>
               <a:t>https://jupyter.org</a:t>
             </a:r>
             <a:br>
-              <a:rPr lang="en-US" sz="3600" dirty="0">
+              <a:rPr lang="en-US" sz="2800" dirty="0">
                 <a:latin typeface="+mn-lt"/>
               </a:rPr>
             </a:br>
             <a:br>
-              <a:rPr lang="en-US" sz="3600" dirty="0">
+              <a:rPr lang="en-US" sz="2800" dirty="0">
                 <a:latin typeface="+mn-lt"/>
               </a:rPr>
             </a:br>
             <a:r>
-              <a:rPr lang="en-US" sz="3600" dirty="0" err="1">
+              <a:rPr lang="en-US" sz="2800" dirty="0" err="1">
                 <a:latin typeface="+mn-lt"/>
               </a:rPr>
               <a:t>Jupyter</a:t>
             </a:r>
             <a:r>
-              <a:rPr lang="en-US" sz="3600" dirty="0">
+              <a:rPr lang="en-US" sz="2800" dirty="0">
                 <a:latin typeface="+mn-lt"/>
               </a:rPr>
               <a:t> Notebook Quick Start Guide --</a:t>
             </a:r>
             <a:br>
-              <a:rPr lang="en-US" sz="3600" dirty="0">
+              <a:rPr lang="en-US" sz="2800" dirty="0">
                 <a:latin typeface="+mn-lt"/>
               </a:rPr>
             </a:br>
             <a:r>
-              <a:rPr lang="en-US" sz="3600" dirty="0">
+              <a:rPr lang="en-US" sz="2800" dirty="0">
                 <a:latin typeface="+mn-lt"/>
                 <a:hlinkClick r:id="rId4"/>
               </a:rPr>
               <a:t>https://jupyter-notebook-beginner-guide.readthedocs.io/en/latest/index.html</a:t>
             </a:r>
             <a:br>
-              <a:rPr lang="en-US" sz="3600" dirty="0">
+              <a:rPr lang="en-US" sz="2800" dirty="0">
                 <a:latin typeface="+mn-lt"/>
               </a:rPr>
             </a:br>
             <a:br>
-              <a:rPr lang="en-US" sz="3600" dirty="0">
-                <a:latin typeface="+mn-lt"/>
-              </a:rPr>
-            </a:br>
-            <a:br>
-              <a:rPr lang="en-US" sz="3600" dirty="0">
+              <a:rPr lang="en-US" sz="2800" dirty="0">
                 <a:latin typeface="+mn-lt"/>
               </a:rPr>
             </a:br>
             <a:r>
-              <a:rPr lang="en-US" sz="3600" dirty="0">
+              <a:rPr lang="en-US" sz="2800" dirty="0">
                 <a:latin typeface="+mn-lt"/>
               </a:rPr>
               <a:t>How to Use </a:t>
             </a:r>
             <a:r>
-              <a:rPr lang="en-US" sz="3600" dirty="0" err="1">
+              <a:rPr lang="en-US" sz="2800" dirty="0" err="1">
                 <a:latin typeface="+mn-lt"/>
               </a:rPr>
               <a:t>Jupyter</a:t>
             </a:r>
             <a:r>
-              <a:rPr lang="en-US" sz="3600" dirty="0">
+              <a:rPr lang="en-US" sz="2800" dirty="0">
                 <a:latin typeface="+mn-lt"/>
               </a:rPr>
               <a:t> Notebook: A Beginner’s Tutorial </a:t>
             </a:r>
             <a:r>
-              <a:rPr lang="en-US" sz="3600" dirty="0">
+              <a:rPr lang="en-US" sz="2800" dirty="0">
                 <a:latin typeface="+mn-lt"/>
                 <a:hlinkClick r:id="rId5"/>
               </a:rPr>
               <a:t>–</a:t>
             </a:r>
             <a:r>
-              <a:rPr lang="en-US" sz="3600" dirty="0">
+              <a:rPr lang="en-US" sz="2800" dirty="0">
                 <a:latin typeface="+mn-lt"/>
               </a:rPr>
               <a:t> </a:t>
             </a:r>
             <a:br>
-              <a:rPr lang="en-US" sz="3600" dirty="0">
+              <a:rPr lang="en-US" sz="2800" dirty="0">
                 <a:latin typeface="+mn-lt"/>
               </a:rPr>
             </a:br>
             <a:r>
-              <a:rPr lang="en-US" sz="3600" dirty="0">
+              <a:rPr lang="en-US" sz="2800" dirty="0">
                 <a:latin typeface="+mn-lt"/>
                 <a:hlinkClick r:id="rId5"/>
               </a:rPr>
               <a:t>https://www.dataquest.io/blog/jupyter-notebook-tutorial</a:t>
             </a:r>
             <a:br>
-              <a:rPr lang="en-US" sz="3600" dirty="0">
+              <a:rPr lang="en-US" sz="2800" dirty="0">
                 <a:latin typeface="+mn-lt"/>
               </a:rPr>
             </a:br>
-            <a:endParaRPr lang="en-US" sz="3600" dirty="0">
+            <a:br>
+              <a:rPr lang="en-US" sz="2800" dirty="0">
+                <a:latin typeface="+mn-lt"/>
+              </a:rPr>
+            </a:br>
+            <a:r>
+              <a:rPr lang="en-US" sz="2800" dirty="0">
+                <a:latin typeface="+mn-lt"/>
+              </a:rPr>
+              <a:t>Excellent Article on beautifying </a:t>
+            </a:r>
+            <a:r>
+              <a:rPr lang="en-US" sz="2800" dirty="0" err="1">
+                <a:latin typeface="+mn-lt"/>
+              </a:rPr>
+              <a:t>Jupyter</a:t>
+            </a:r>
+            <a:r>
+              <a:rPr lang="en-US" sz="2800" dirty="0">
+                <a:latin typeface="+mn-lt"/>
+              </a:rPr>
+              <a:t> Notebooks</a:t>
+            </a:r>
+            <a:br>
+              <a:rPr lang="en-US" sz="2800" dirty="0">
+                <a:latin typeface="+mn-lt"/>
+              </a:rPr>
+            </a:br>
+            <a:r>
+              <a:rPr lang="en-US" sz="2800" dirty="0">
+                <a:latin typeface="+mn-lt"/>
+                <a:hlinkClick r:id="rId6"/>
+              </a:rPr>
+              <a:t>https://towardsdatascience.com/enrich-your-jupyter-notebook-with-these-tips-55c8ead25255</a:t>
+            </a:r>
+            <a:br>
+              <a:rPr lang="en-US" sz="2800" dirty="0">
+                <a:latin typeface="+mn-lt"/>
+              </a:rPr>
+            </a:br>
+            <a:endParaRPr lang="en-US" sz="2800" dirty="0">
               <a:latin typeface="+mn-lt"/>
             </a:endParaRPr>
           </a:p>
@@ -23012,7 +23047,7 @@
         </p:nvSpPr>
         <p:spPr>
           <a:xfrm>
-            <a:off x="609599" y="361246"/>
+            <a:off x="592666" y="240389"/>
             <a:ext cx="11006667" cy="830997"/>
           </a:xfrm>
           <a:prstGeom prst="rect">
@@ -23075,11 +23110,11 @@
           <a:bodyPr/>
           <a:lstStyle/>
           <a:p>
-            <a:fld id="{F0B5A8DC-392A-4A45-8DFD-19A406991B9B}" type="datetime1">
+            <a:fld id="{6A828E2D-C265-41D1-B951-ECAB12585420}" type="datetime1">
               <a:rPr lang="en-US" smtClean="0"/>
-              <a:t>10/20/2022</a:t>
+              <a:t>10/23/2022</a:t>
             </a:fld>
-            <a:endParaRPr lang="en-US"/>
+            <a:endParaRPr lang="en-US" dirty="0"/>
           </a:p>
         </p:txBody>
       </p:sp>
@@ -24435,9 +24470,9 @@
           <a:bodyPr/>
           <a:lstStyle/>
           <a:p>
-            <a:fld id="{C5BB0682-ED1A-49F2-885B-D9EA3DDD27AA}" type="datetime1">
+            <a:fld id="{BB3A006E-FC73-4408-9443-9B19BB7705D7}" type="datetime1">
               <a:rPr lang="en-US" smtClean="0"/>
-              <a:t>10/20/2022</a:t>
+              <a:t>10/23/2022</a:t>
             </a:fld>
             <a:endParaRPr lang="en-US"/>
           </a:p>
@@ -24990,9 +25025,9 @@
           <a:bodyPr/>
           <a:lstStyle/>
           <a:p>
-            <a:fld id="{F7F9F912-9FFA-422E-86CC-F8D430EF178D}" type="datetime1">
+            <a:fld id="{20ED67F5-F0A1-41DC-A8FF-D1EE7C886293}" type="datetime1">
               <a:rPr lang="en-US" smtClean="0"/>
-              <a:t>10/20/2022</a:t>
+              <a:t>10/23/2022</a:t>
             </a:fld>
             <a:endParaRPr lang="en-US"/>
           </a:p>
@@ -25608,9 +25643,9 @@
           <a:bodyPr/>
           <a:lstStyle/>
           <a:p>
-            <a:fld id="{3CE3E562-FE5A-4501-ABDD-DD45594871F8}" type="datetime1">
+            <a:fld id="{BF590416-CF8C-4798-B806-F40DA8B6CDEC}" type="datetime1">
               <a:rPr lang="en-US" smtClean="0"/>
-              <a:t>10/20/2022</a:t>
+              <a:t>10/23/2022</a:t>
             </a:fld>
             <a:endParaRPr lang="en-US"/>
           </a:p>
@@ -26105,9 +26140,9 @@
           <a:bodyPr/>
           <a:lstStyle/>
           <a:p>
-            <a:fld id="{E07B27A7-04CE-4749-8BBF-902D66CAE2AC}" type="datetime1">
+            <a:fld id="{68473E62-76DE-4E65-A923-E541FF4B4298}" type="datetime1">
               <a:rPr lang="en-US" smtClean="0"/>
-              <a:t>10/20/2022</a:t>
+              <a:t>10/23/2022</a:t>
             </a:fld>
             <a:endParaRPr lang="en-US"/>
           </a:p>
@@ -26521,9 +26556,9 @@
           <a:bodyPr/>
           <a:lstStyle/>
           <a:p>
-            <a:fld id="{4F1CC05D-CECB-4B1D-963F-F30E2B295534}" type="datetime1">
+            <a:fld id="{7AFE9B77-C426-4235-A3D1-499EF24FF02C}" type="datetime1">
               <a:rPr lang="en-US" smtClean="0"/>
-              <a:t>10/20/2022</a:t>
+              <a:t>10/23/2022</a:t>
             </a:fld>
             <a:endParaRPr lang="en-US"/>
           </a:p>
@@ -26903,9 +26938,9 @@
           <a:bodyPr/>
           <a:lstStyle/>
           <a:p>
-            <a:fld id="{80325104-2A48-4D6B-AEFC-F4D751FBE499}" type="datetime1">
+            <a:fld id="{23FB14BE-2FE7-47B7-AC98-D5871C24CDE4}" type="datetime1">
               <a:rPr lang="en-US" smtClean="0"/>
-              <a:t>10/20/2022</a:t>
+              <a:t>10/23/2022</a:t>
             </a:fld>
             <a:endParaRPr lang="en-US"/>
           </a:p>
